--- a/3-2 Set ChatBot with API.AI.pptx
+++ b/3-2 Set ChatBot with API.AI.pptx
@@ -202,7 +202,7 @@
           <a:p>
             <a:fld id="{82604E9E-60DE-417E-849E-2CDE7F357628}" type="datetimeFigureOut">
               <a:rPr lang="en-US" smtClean="0"/>
-              <a:t>7/25/2017</a:t>
+              <a:t>7/27/2017</a:t>
             </a:fld>
             <a:endParaRPr lang="en-US"/>
           </a:p>
@@ -717,7 +717,7 @@
           <a:p>
             <a:fld id="{0D913C1F-5111-45C8-8646-4E60C4FCFD33}" type="datetime1">
               <a:rPr lang="en-US" smtClean="0"/>
-              <a:t>7/25/2017</a:t>
+              <a:t>7/27/2017</a:t>
             </a:fld>
             <a:endParaRPr lang="en-US"/>
           </a:p>
@@ -892,7 +892,7 @@
           <a:p>
             <a:fld id="{D3A57730-C926-45F0-9361-C8E6CC7EFAB1}" type="datetime1">
               <a:rPr lang="en-US" smtClean="0"/>
-              <a:t>7/25/2017</a:t>
+              <a:t>7/27/2017</a:t>
             </a:fld>
             <a:endParaRPr lang="en-US"/>
           </a:p>
@@ -1072,7 +1072,7 @@
           <a:p>
             <a:fld id="{72F94769-6EA4-484E-8E33-A5D2CCD7F3B4}" type="datetime1">
               <a:rPr lang="en-US" smtClean="0"/>
-              <a:t>7/25/2017</a:t>
+              <a:t>7/27/2017</a:t>
             </a:fld>
             <a:endParaRPr lang="en-US"/>
           </a:p>
@@ -1242,7 +1242,7 @@
           <a:p>
             <a:fld id="{875CDD8C-CF5A-4DB3-98F8-3A2639B39FE9}" type="datetime1">
               <a:rPr lang="en-US" smtClean="0"/>
-              <a:t>7/25/2017</a:t>
+              <a:t>7/27/2017</a:t>
             </a:fld>
             <a:endParaRPr lang="en-US"/>
           </a:p>
@@ -1510,7 +1510,7 @@
           <a:p>
             <a:fld id="{73567B6B-69B5-4721-8DDE-4EEC9B6DCE0D}" type="datetime1">
               <a:rPr lang="en-US" smtClean="0"/>
-              <a:t>7/25/2017</a:t>
+              <a:t>7/27/2017</a:t>
             </a:fld>
             <a:endParaRPr lang="en-US"/>
           </a:p>
@@ -1742,7 +1742,7 @@
           <a:p>
             <a:fld id="{98DD2B97-22CE-4922-9B75-1DD88489AFD6}" type="datetime1">
               <a:rPr lang="en-US" smtClean="0"/>
-              <a:t>7/25/2017</a:t>
+              <a:t>7/27/2017</a:t>
             </a:fld>
             <a:endParaRPr lang="en-US"/>
           </a:p>
@@ -2101,7 +2101,7 @@
           <a:p>
             <a:fld id="{71335CB9-B160-4C99-9B3C-64E62B2B8AA1}" type="datetime1">
               <a:rPr lang="en-US" smtClean="0"/>
-              <a:t>7/25/2017</a:t>
+              <a:t>7/27/2017</a:t>
             </a:fld>
             <a:endParaRPr lang="en-US"/>
           </a:p>
@@ -2242,7 +2242,7 @@
           <a:p>
             <a:fld id="{AB5FD2A9-980D-4792-8107-6837CF22CACC}" type="datetime1">
               <a:rPr lang="en-US" smtClean="0"/>
-              <a:t>7/25/2017</a:t>
+              <a:t>7/27/2017</a:t>
             </a:fld>
             <a:endParaRPr lang="en-US"/>
           </a:p>
@@ -2337,7 +2337,7 @@
           <a:p>
             <a:fld id="{AE49ADA3-5F6C-44F2-923F-B96DDB41268F}" type="datetime1">
               <a:rPr lang="en-US" smtClean="0"/>
-              <a:t>7/25/2017</a:t>
+              <a:t>7/27/2017</a:t>
             </a:fld>
             <a:endParaRPr lang="en-US"/>
           </a:p>
@@ -2694,7 +2694,7 @@
           <a:p>
             <a:fld id="{CD641920-CFA1-454E-AD47-3EEEB5605BD0}" type="datetime1">
               <a:rPr lang="en-US" smtClean="0"/>
-              <a:t>7/25/2017</a:t>
+              <a:t>7/27/2017</a:t>
             </a:fld>
             <a:endParaRPr lang="en-US"/>
           </a:p>
@@ -3051,7 +3051,7 @@
           <a:p>
             <a:fld id="{F3A5C466-8A77-4A43-A9E6-B875AC354BDD}" type="datetime1">
               <a:rPr lang="en-US" smtClean="0"/>
-              <a:t>7/25/2017</a:t>
+              <a:t>7/27/2017</a:t>
             </a:fld>
             <a:endParaRPr lang="en-US"/>
           </a:p>
@@ -3292,7 +3292,7 @@
           <a:p>
             <a:fld id="{8C1F079E-EE37-4F70-8A6F-71D0624FBE44}" type="datetime1">
               <a:rPr lang="en-US" smtClean="0"/>
-              <a:t>7/25/2017</a:t>
+              <a:t>7/27/2017</a:t>
             </a:fld>
             <a:endParaRPr lang="en-US"/>
           </a:p>
@@ -3786,7 +3786,15 @@
             </a:br>
             <a:r>
               <a:rPr lang="en-US" dirty="0"/>
-              <a:t>2-1 Web App in the Market Places</a:t>
+              <a:t>3-2 Set </a:t>
+            </a:r>
+            <a:r>
+              <a:rPr lang="en-US" dirty="0" err="1"/>
+              <a:t>ChatBot</a:t>
+            </a:r>
+            <a:r>
+              <a:rPr lang="en-US" dirty="0"/>
+              <a:t> with API.AI</a:t>
             </a:r>
           </a:p>
         </p:txBody>

--- a/3-2 Set ChatBot with API.AI.pptx
+++ b/3-2 Set ChatBot with API.AI.pptx
@@ -5,11 +5,14 @@
     <p:sldMasterId id="2147483660" r:id="rId1"/>
   </p:sldMasterIdLst>
   <p:notesMasterIdLst>
-    <p:notesMasterId r:id="rId4"/>
+    <p:notesMasterId r:id="rId7"/>
   </p:notesMasterIdLst>
   <p:sldIdLst>
     <p:sldId id="256" r:id="rId2"/>
     <p:sldId id="273" r:id="rId3"/>
+    <p:sldId id="275" r:id="rId4"/>
+    <p:sldId id="276" r:id="rId5"/>
+    <p:sldId id="274" r:id="rId6"/>
   </p:sldIdLst>
   <p:sldSz cx="12192000" cy="6858000"/>
   <p:notesSz cx="6858000" cy="9144000"/>
@@ -120,6 +123,2412 @@
 <p1510:revInfo xmlns:a="http://schemas.openxmlformats.org/drawingml/2006/main" xmlns:r="http://schemas.openxmlformats.org/officeDocument/2006/relationships" xmlns:p1510="http://schemas.microsoft.com/office/powerpoint/2015/10/main"/>
 </file>
 
+<file path=ppt/diagrams/colors1.xml><?xml version="1.0" encoding="utf-8"?>
+<dgm:colorsDef xmlns:dgm="http://schemas.openxmlformats.org/drawingml/2006/diagram" xmlns:a="http://schemas.openxmlformats.org/drawingml/2006/main" uniqueId="urn:microsoft.com/office/officeart/2005/8/colors/accent0_3">
+  <dgm:title val=""/>
+  <dgm:desc val=""/>
+  <dgm:catLst>
+    <dgm:cat type="mainScheme" pri="10300"/>
+  </dgm:catLst>
+  <dgm:styleLbl name="node0">
+    <dgm:fillClrLst meth="repeat">
+      <a:schemeClr val="dk2"/>
+    </dgm:fillClrLst>
+    <dgm:linClrLst meth="repeat">
+      <a:schemeClr val="lt2"/>
+    </dgm:linClrLst>
+    <dgm:effectClrLst/>
+    <dgm:txLinClrLst/>
+    <dgm:txFillClrLst/>
+    <dgm:txEffectClrLst/>
+  </dgm:styleLbl>
+  <dgm:styleLbl name="alignNode1">
+    <dgm:fillClrLst meth="repeat">
+      <a:schemeClr val="dk2"/>
+    </dgm:fillClrLst>
+    <dgm:linClrLst meth="repeat">
+      <a:schemeClr val="dk2"/>
+    </dgm:linClrLst>
+    <dgm:effectClrLst/>
+    <dgm:txLinClrLst/>
+    <dgm:txFillClrLst/>
+    <dgm:txEffectClrLst/>
+  </dgm:styleLbl>
+  <dgm:styleLbl name="node1">
+    <dgm:fillClrLst meth="repeat">
+      <a:schemeClr val="dk2"/>
+    </dgm:fillClrLst>
+    <dgm:linClrLst meth="repeat">
+      <a:schemeClr val="lt2"/>
+    </dgm:linClrLst>
+    <dgm:effectClrLst/>
+    <dgm:txLinClrLst/>
+    <dgm:txFillClrLst/>
+    <dgm:txEffectClrLst/>
+  </dgm:styleLbl>
+  <dgm:styleLbl name="lnNode1">
+    <dgm:fillClrLst meth="repeat">
+      <a:schemeClr val="dk2"/>
+    </dgm:fillClrLst>
+    <dgm:linClrLst meth="repeat">
+      <a:schemeClr val="lt2"/>
+    </dgm:linClrLst>
+    <dgm:effectClrLst/>
+    <dgm:txLinClrLst/>
+    <dgm:txFillClrLst/>
+    <dgm:txEffectClrLst/>
+  </dgm:styleLbl>
+  <dgm:styleLbl name="vennNode1">
+    <dgm:fillClrLst meth="repeat">
+      <a:schemeClr val="dk2">
+        <a:alpha val="50000"/>
+      </a:schemeClr>
+    </dgm:fillClrLst>
+    <dgm:linClrLst meth="repeat">
+      <a:schemeClr val="lt2"/>
+    </dgm:linClrLst>
+    <dgm:effectClrLst/>
+    <dgm:txLinClrLst/>
+    <dgm:txFillClrLst/>
+    <dgm:txEffectClrLst/>
+  </dgm:styleLbl>
+  <dgm:styleLbl name="node2">
+    <dgm:fillClrLst meth="repeat">
+      <a:schemeClr val="dk2"/>
+    </dgm:fillClrLst>
+    <dgm:linClrLst meth="repeat">
+      <a:schemeClr val="lt2"/>
+    </dgm:linClrLst>
+    <dgm:effectClrLst/>
+    <dgm:txLinClrLst/>
+    <dgm:txFillClrLst/>
+    <dgm:txEffectClrLst/>
+  </dgm:styleLbl>
+  <dgm:styleLbl name="node3">
+    <dgm:fillClrLst meth="repeat">
+      <a:schemeClr val="dk2"/>
+    </dgm:fillClrLst>
+    <dgm:linClrLst meth="repeat">
+      <a:schemeClr val="lt2"/>
+    </dgm:linClrLst>
+    <dgm:effectClrLst/>
+    <dgm:txLinClrLst/>
+    <dgm:txFillClrLst/>
+    <dgm:txEffectClrLst/>
+  </dgm:styleLbl>
+  <dgm:styleLbl name="node4">
+    <dgm:fillClrLst meth="repeat">
+      <a:schemeClr val="dk2"/>
+    </dgm:fillClrLst>
+    <dgm:linClrLst meth="repeat">
+      <a:schemeClr val="lt2"/>
+    </dgm:linClrLst>
+    <dgm:effectClrLst/>
+    <dgm:txLinClrLst/>
+    <dgm:txFillClrLst/>
+    <dgm:txEffectClrLst/>
+  </dgm:styleLbl>
+  <dgm:styleLbl name="fgImgPlace1">
+    <dgm:fillClrLst meth="repeat">
+      <a:schemeClr val="dk2">
+        <a:tint val="50000"/>
+      </a:schemeClr>
+    </dgm:fillClrLst>
+    <dgm:linClrLst meth="repeat">
+      <a:schemeClr val="lt2"/>
+    </dgm:linClrLst>
+    <dgm:effectClrLst/>
+    <dgm:txLinClrLst/>
+    <dgm:txFillClrLst meth="repeat">
+      <a:schemeClr val="lt2"/>
+    </dgm:txFillClrLst>
+    <dgm:txEffectClrLst/>
+  </dgm:styleLbl>
+  <dgm:styleLbl name="alignImgPlace1">
+    <dgm:fillClrLst meth="repeat">
+      <a:schemeClr val="dk2">
+        <a:tint val="50000"/>
+      </a:schemeClr>
+    </dgm:fillClrLst>
+    <dgm:linClrLst meth="repeat">
+      <a:schemeClr val="dk2">
+        <a:shade val="80000"/>
+      </a:schemeClr>
+    </dgm:linClrLst>
+    <dgm:effectClrLst/>
+    <dgm:txLinClrLst/>
+    <dgm:txFillClrLst meth="repeat">
+      <a:schemeClr val="lt2"/>
+    </dgm:txFillClrLst>
+    <dgm:txEffectClrLst/>
+  </dgm:styleLbl>
+  <dgm:styleLbl name="bgImgPlace1">
+    <dgm:fillClrLst meth="repeat">
+      <a:schemeClr val="dk2">
+        <a:tint val="50000"/>
+      </a:schemeClr>
+    </dgm:fillClrLst>
+    <dgm:linClrLst meth="repeat">
+      <a:schemeClr val="dk2">
+        <a:shade val="80000"/>
+      </a:schemeClr>
+    </dgm:linClrLst>
+    <dgm:effectClrLst/>
+    <dgm:txLinClrLst/>
+    <dgm:txFillClrLst meth="repeat">
+      <a:schemeClr val="lt2"/>
+    </dgm:txFillClrLst>
+    <dgm:txEffectClrLst/>
+  </dgm:styleLbl>
+  <dgm:styleLbl name="sibTrans2D1">
+    <dgm:fillClrLst meth="repeat">
+      <a:schemeClr val="dk2">
+        <a:tint val="60000"/>
+      </a:schemeClr>
+    </dgm:fillClrLst>
+    <dgm:linClrLst meth="repeat">
+      <a:schemeClr val="dk2">
+        <a:tint val="60000"/>
+      </a:schemeClr>
+    </dgm:linClrLst>
+    <dgm:effectClrLst/>
+    <dgm:txLinClrLst/>
+    <dgm:txFillClrLst/>
+    <dgm:txEffectClrLst/>
+  </dgm:styleLbl>
+  <dgm:styleLbl name="fgSibTrans2D1">
+    <dgm:fillClrLst meth="repeat">
+      <a:schemeClr val="dk2">
+        <a:tint val="60000"/>
+      </a:schemeClr>
+    </dgm:fillClrLst>
+    <dgm:linClrLst meth="repeat">
+      <a:schemeClr val="dk2">
+        <a:tint val="60000"/>
+      </a:schemeClr>
+    </dgm:linClrLst>
+    <dgm:effectClrLst/>
+    <dgm:txLinClrLst/>
+    <dgm:txFillClrLst/>
+    <dgm:txEffectClrLst/>
+  </dgm:styleLbl>
+  <dgm:styleLbl name="bgSibTrans2D1">
+    <dgm:fillClrLst meth="repeat">
+      <a:schemeClr val="dk2">
+        <a:tint val="60000"/>
+      </a:schemeClr>
+    </dgm:fillClrLst>
+    <dgm:linClrLst meth="repeat">
+      <a:schemeClr val="dk2">
+        <a:tint val="60000"/>
+      </a:schemeClr>
+    </dgm:linClrLst>
+    <dgm:effectClrLst/>
+    <dgm:txLinClrLst/>
+    <dgm:txFillClrLst/>
+    <dgm:txEffectClrLst/>
+  </dgm:styleLbl>
+  <dgm:styleLbl name="sibTrans1D1">
+    <dgm:fillClrLst meth="repeat">
+      <a:schemeClr val="dk2"/>
+    </dgm:fillClrLst>
+    <dgm:linClrLst meth="repeat">
+      <a:schemeClr val="dk2"/>
+    </dgm:linClrLst>
+    <dgm:effectClrLst/>
+    <dgm:txLinClrLst/>
+    <dgm:txFillClrLst meth="repeat">
+      <a:schemeClr val="lt2"/>
+    </dgm:txFillClrLst>
+    <dgm:txEffectClrLst/>
+  </dgm:styleLbl>
+  <dgm:styleLbl name="callout">
+    <dgm:fillClrLst meth="repeat">
+      <a:schemeClr val="dk2"/>
+    </dgm:fillClrLst>
+    <dgm:linClrLst meth="repeat">
+      <a:schemeClr val="dk2">
+        <a:tint val="50000"/>
+      </a:schemeClr>
+    </dgm:linClrLst>
+    <dgm:effectClrLst/>
+    <dgm:txLinClrLst/>
+    <dgm:txFillClrLst meth="repeat">
+      <a:schemeClr val="lt2"/>
+    </dgm:txFillClrLst>
+    <dgm:txEffectClrLst/>
+  </dgm:styleLbl>
+  <dgm:styleLbl name="asst0">
+    <dgm:fillClrLst meth="repeat">
+      <a:schemeClr val="dk2"/>
+    </dgm:fillClrLst>
+    <dgm:linClrLst meth="repeat">
+      <a:schemeClr val="lt2"/>
+    </dgm:linClrLst>
+    <dgm:effectClrLst/>
+    <dgm:txLinClrLst/>
+    <dgm:txFillClrLst/>
+    <dgm:txEffectClrLst/>
+  </dgm:styleLbl>
+  <dgm:styleLbl name="asst1">
+    <dgm:fillClrLst meth="repeat">
+      <a:schemeClr val="dk2"/>
+    </dgm:fillClrLst>
+    <dgm:linClrLst meth="repeat">
+      <a:schemeClr val="lt2"/>
+    </dgm:linClrLst>
+    <dgm:effectClrLst/>
+    <dgm:txLinClrLst/>
+    <dgm:txFillClrLst/>
+    <dgm:txEffectClrLst/>
+  </dgm:styleLbl>
+  <dgm:styleLbl name="asst2">
+    <dgm:fillClrLst meth="repeat">
+      <a:schemeClr val="dk2"/>
+    </dgm:fillClrLst>
+    <dgm:linClrLst meth="repeat">
+      <a:schemeClr val="lt2"/>
+    </dgm:linClrLst>
+    <dgm:effectClrLst/>
+    <dgm:txLinClrLst/>
+    <dgm:txFillClrLst/>
+    <dgm:txEffectClrLst/>
+  </dgm:styleLbl>
+  <dgm:styleLbl name="asst3">
+    <dgm:fillClrLst meth="repeat">
+      <a:schemeClr val="dk2"/>
+    </dgm:fillClrLst>
+    <dgm:linClrLst meth="repeat">
+      <a:schemeClr val="lt2"/>
+    </dgm:linClrLst>
+    <dgm:effectClrLst/>
+    <dgm:txLinClrLst/>
+    <dgm:txFillClrLst/>
+    <dgm:txEffectClrLst/>
+  </dgm:styleLbl>
+  <dgm:styleLbl name="asst4">
+    <dgm:fillClrLst meth="repeat">
+      <a:schemeClr val="dk2"/>
+    </dgm:fillClrLst>
+    <dgm:linClrLst meth="repeat">
+      <a:schemeClr val="lt2"/>
+    </dgm:linClrLst>
+    <dgm:effectClrLst/>
+    <dgm:txLinClrLst/>
+    <dgm:txFillClrLst/>
+    <dgm:txEffectClrLst/>
+  </dgm:styleLbl>
+  <dgm:styleLbl name="parChTrans2D1">
+    <dgm:fillClrLst meth="repeat">
+      <a:schemeClr val="dk2">
+        <a:tint val="60000"/>
+      </a:schemeClr>
+    </dgm:fillClrLst>
+    <dgm:linClrLst meth="repeat">
+      <a:schemeClr val="dk2">
+        <a:tint val="60000"/>
+      </a:schemeClr>
+    </dgm:linClrLst>
+    <dgm:effectClrLst/>
+    <dgm:txLinClrLst/>
+    <dgm:txFillClrLst meth="repeat">
+      <a:schemeClr val="lt2"/>
+    </dgm:txFillClrLst>
+    <dgm:txEffectClrLst/>
+  </dgm:styleLbl>
+  <dgm:styleLbl name="parChTrans2D2">
+    <dgm:fillClrLst meth="repeat">
+      <a:schemeClr val="dk2"/>
+    </dgm:fillClrLst>
+    <dgm:linClrLst meth="repeat">
+      <a:schemeClr val="dk2"/>
+    </dgm:linClrLst>
+    <dgm:effectClrLst/>
+    <dgm:txLinClrLst/>
+    <dgm:txFillClrLst meth="repeat">
+      <a:schemeClr val="lt2"/>
+    </dgm:txFillClrLst>
+    <dgm:txEffectClrLst/>
+  </dgm:styleLbl>
+  <dgm:styleLbl name="parChTrans2D3">
+    <dgm:fillClrLst meth="repeat">
+      <a:schemeClr val="dk2"/>
+    </dgm:fillClrLst>
+    <dgm:linClrLst meth="repeat">
+      <a:schemeClr val="dk2"/>
+    </dgm:linClrLst>
+    <dgm:effectClrLst/>
+    <dgm:txLinClrLst/>
+    <dgm:txFillClrLst meth="repeat">
+      <a:schemeClr val="lt2"/>
+    </dgm:txFillClrLst>
+    <dgm:txEffectClrLst/>
+  </dgm:styleLbl>
+  <dgm:styleLbl name="parChTrans2D4">
+    <dgm:fillClrLst meth="repeat">
+      <a:schemeClr val="dk2"/>
+    </dgm:fillClrLst>
+    <dgm:linClrLst meth="repeat">
+      <a:schemeClr val="dk2"/>
+    </dgm:linClrLst>
+    <dgm:effectClrLst/>
+    <dgm:txLinClrLst/>
+    <dgm:txFillClrLst meth="repeat">
+      <a:schemeClr val="lt2"/>
+    </dgm:txFillClrLst>
+    <dgm:txEffectClrLst/>
+  </dgm:styleLbl>
+  <dgm:styleLbl name="parChTrans1D1">
+    <dgm:fillClrLst meth="repeat">
+      <a:schemeClr val="dk2"/>
+    </dgm:fillClrLst>
+    <dgm:linClrLst meth="repeat">
+      <a:schemeClr val="dk2">
+        <a:shade val="60000"/>
+      </a:schemeClr>
+    </dgm:linClrLst>
+    <dgm:effectClrLst/>
+    <dgm:txLinClrLst/>
+    <dgm:txFillClrLst meth="repeat">
+      <a:schemeClr val="tx1"/>
+    </dgm:txFillClrLst>
+    <dgm:txEffectClrLst/>
+  </dgm:styleLbl>
+  <dgm:styleLbl name="parChTrans1D2">
+    <dgm:fillClrLst meth="repeat">
+      <a:schemeClr val="dk2"/>
+    </dgm:fillClrLst>
+    <dgm:linClrLst meth="repeat">
+      <a:schemeClr val="dk2">
+        <a:shade val="60000"/>
+      </a:schemeClr>
+    </dgm:linClrLst>
+    <dgm:effectClrLst/>
+    <dgm:txLinClrLst/>
+    <dgm:txFillClrLst meth="repeat">
+      <a:schemeClr val="tx1"/>
+    </dgm:txFillClrLst>
+    <dgm:txEffectClrLst/>
+  </dgm:styleLbl>
+  <dgm:styleLbl name="parChTrans1D3">
+    <dgm:fillClrLst meth="repeat">
+      <a:schemeClr val="dk2"/>
+    </dgm:fillClrLst>
+    <dgm:linClrLst meth="repeat">
+      <a:schemeClr val="dk2">
+        <a:shade val="80000"/>
+      </a:schemeClr>
+    </dgm:linClrLst>
+    <dgm:effectClrLst/>
+    <dgm:txLinClrLst/>
+    <dgm:txFillClrLst meth="repeat">
+      <a:schemeClr val="tx1"/>
+    </dgm:txFillClrLst>
+    <dgm:txEffectClrLst/>
+  </dgm:styleLbl>
+  <dgm:styleLbl name="parChTrans1D4">
+    <dgm:fillClrLst meth="repeat">
+      <a:schemeClr val="dk2"/>
+    </dgm:fillClrLst>
+    <dgm:linClrLst meth="repeat">
+      <a:schemeClr val="dk2">
+        <a:shade val="80000"/>
+      </a:schemeClr>
+    </dgm:linClrLst>
+    <dgm:effectClrLst/>
+    <dgm:txLinClrLst/>
+    <dgm:txFillClrLst meth="repeat">
+      <a:schemeClr val="tx1"/>
+    </dgm:txFillClrLst>
+    <dgm:txEffectClrLst/>
+  </dgm:styleLbl>
+  <dgm:styleLbl name="fgAcc1">
+    <dgm:fillClrLst meth="repeat">
+      <a:schemeClr val="lt2">
+        <a:alpha val="90000"/>
+      </a:schemeClr>
+    </dgm:fillClrLst>
+    <dgm:linClrLst meth="repeat">
+      <a:schemeClr val="dk2"/>
+    </dgm:linClrLst>
+    <dgm:effectClrLst/>
+    <dgm:txLinClrLst/>
+    <dgm:txFillClrLst meth="repeat">
+      <a:schemeClr val="dk1"/>
+    </dgm:txFillClrLst>
+    <dgm:txEffectClrLst/>
+  </dgm:styleLbl>
+  <dgm:styleLbl name="conFgAcc1">
+    <dgm:fillClrLst meth="repeat">
+      <a:schemeClr val="lt2">
+        <a:alpha val="90000"/>
+      </a:schemeClr>
+    </dgm:fillClrLst>
+    <dgm:linClrLst meth="repeat">
+      <a:schemeClr val="dk2"/>
+    </dgm:linClrLst>
+    <dgm:effectClrLst/>
+    <dgm:txLinClrLst/>
+    <dgm:txFillClrLst meth="repeat">
+      <a:schemeClr val="dk1"/>
+    </dgm:txFillClrLst>
+    <dgm:txEffectClrLst/>
+  </dgm:styleLbl>
+  <dgm:styleLbl name="alignAcc1">
+    <dgm:fillClrLst meth="repeat">
+      <a:schemeClr val="lt2">
+        <a:alpha val="90000"/>
+      </a:schemeClr>
+    </dgm:fillClrLst>
+    <dgm:linClrLst meth="repeat">
+      <a:schemeClr val="dk2"/>
+    </dgm:linClrLst>
+    <dgm:effectClrLst/>
+    <dgm:txLinClrLst/>
+    <dgm:txFillClrLst meth="repeat">
+      <a:schemeClr val="dk1"/>
+    </dgm:txFillClrLst>
+    <dgm:txEffectClrLst/>
+  </dgm:styleLbl>
+  <dgm:styleLbl name="trAlignAcc1">
+    <dgm:fillClrLst meth="repeat">
+      <a:schemeClr val="lt2">
+        <a:alpha val="40000"/>
+      </a:schemeClr>
+    </dgm:fillClrLst>
+    <dgm:linClrLst meth="repeat">
+      <a:schemeClr val="dk2"/>
+    </dgm:linClrLst>
+    <dgm:effectClrLst/>
+    <dgm:txLinClrLst/>
+    <dgm:txFillClrLst meth="repeat">
+      <a:schemeClr val="dk1"/>
+    </dgm:txFillClrLst>
+    <dgm:txEffectClrLst/>
+  </dgm:styleLbl>
+  <dgm:styleLbl name="bgAcc1">
+    <dgm:fillClrLst meth="repeat">
+      <a:schemeClr val="lt2">
+        <a:alpha val="90000"/>
+      </a:schemeClr>
+    </dgm:fillClrLst>
+    <dgm:linClrLst meth="repeat">
+      <a:schemeClr val="dk2"/>
+    </dgm:linClrLst>
+    <dgm:effectClrLst/>
+    <dgm:txLinClrLst/>
+    <dgm:txFillClrLst meth="repeat">
+      <a:schemeClr val="dk1"/>
+    </dgm:txFillClrLst>
+    <dgm:txEffectClrLst/>
+  </dgm:styleLbl>
+  <dgm:styleLbl name="solidFgAcc1">
+    <dgm:fillClrLst meth="repeat">
+      <a:schemeClr val="lt2"/>
+    </dgm:fillClrLst>
+    <dgm:linClrLst meth="repeat">
+      <a:schemeClr val="dk2"/>
+    </dgm:linClrLst>
+    <dgm:effectClrLst/>
+    <dgm:txLinClrLst/>
+    <dgm:txFillClrLst meth="repeat">
+      <a:schemeClr val="dk1"/>
+    </dgm:txFillClrLst>
+    <dgm:txEffectClrLst/>
+  </dgm:styleLbl>
+  <dgm:styleLbl name="solidAlignAcc1">
+    <dgm:fillClrLst meth="repeat">
+      <a:schemeClr val="lt2"/>
+    </dgm:fillClrLst>
+    <dgm:linClrLst meth="repeat">
+      <a:schemeClr val="dk2"/>
+    </dgm:linClrLst>
+    <dgm:effectClrLst/>
+    <dgm:txLinClrLst/>
+    <dgm:txFillClrLst meth="repeat">
+      <a:schemeClr val="dk1"/>
+    </dgm:txFillClrLst>
+    <dgm:txEffectClrLst/>
+  </dgm:styleLbl>
+  <dgm:styleLbl name="solidBgAcc1">
+    <dgm:fillClrLst meth="repeat">
+      <a:schemeClr val="lt2"/>
+    </dgm:fillClrLst>
+    <dgm:linClrLst meth="repeat">
+      <a:schemeClr val="dk2"/>
+    </dgm:linClrLst>
+    <dgm:effectClrLst/>
+    <dgm:txLinClrLst/>
+    <dgm:txFillClrLst meth="repeat">
+      <a:schemeClr val="dk1"/>
+    </dgm:txFillClrLst>
+    <dgm:txEffectClrLst/>
+  </dgm:styleLbl>
+  <dgm:styleLbl name="fgAccFollowNode1">
+    <dgm:fillClrLst meth="repeat">
+      <a:schemeClr val="dk2">
+        <a:alpha val="90000"/>
+        <a:tint val="40000"/>
+      </a:schemeClr>
+    </dgm:fillClrLst>
+    <dgm:linClrLst meth="repeat">
+      <a:schemeClr val="dk2">
+        <a:alpha val="90000"/>
+        <a:tint val="40000"/>
+      </a:schemeClr>
+    </dgm:linClrLst>
+    <dgm:effectClrLst/>
+    <dgm:txLinClrLst/>
+    <dgm:txFillClrLst meth="repeat">
+      <a:schemeClr val="dk1"/>
+    </dgm:txFillClrLst>
+    <dgm:txEffectClrLst/>
+  </dgm:styleLbl>
+  <dgm:styleLbl name="alignAccFollowNode1">
+    <dgm:fillClrLst meth="repeat">
+      <a:schemeClr val="dk2">
+        <a:alpha val="90000"/>
+        <a:tint val="40000"/>
+      </a:schemeClr>
+    </dgm:fillClrLst>
+    <dgm:linClrLst meth="repeat">
+      <a:schemeClr val="dk2">
+        <a:alpha val="90000"/>
+        <a:tint val="40000"/>
+      </a:schemeClr>
+    </dgm:linClrLst>
+    <dgm:effectClrLst/>
+    <dgm:txLinClrLst/>
+    <dgm:txFillClrLst meth="repeat">
+      <a:schemeClr val="dk1"/>
+    </dgm:txFillClrLst>
+    <dgm:txEffectClrLst/>
+  </dgm:styleLbl>
+  <dgm:styleLbl name="bgAccFollowNode1">
+    <dgm:fillClrLst meth="repeat">
+      <a:schemeClr val="dk2">
+        <a:alpha val="90000"/>
+        <a:tint val="40000"/>
+      </a:schemeClr>
+    </dgm:fillClrLst>
+    <dgm:linClrLst meth="repeat">
+      <a:schemeClr val="dk2">
+        <a:alpha val="90000"/>
+        <a:tint val="40000"/>
+      </a:schemeClr>
+    </dgm:linClrLst>
+    <dgm:effectClrLst/>
+    <dgm:txLinClrLst/>
+    <dgm:txFillClrLst meth="repeat">
+      <a:schemeClr val="dk1"/>
+    </dgm:txFillClrLst>
+    <dgm:txEffectClrLst/>
+  </dgm:styleLbl>
+  <dgm:styleLbl name="fgAcc0">
+    <dgm:fillClrLst meth="repeat">
+      <a:schemeClr val="lt2">
+        <a:alpha val="90000"/>
+      </a:schemeClr>
+    </dgm:fillClrLst>
+    <dgm:linClrLst meth="repeat">
+      <a:schemeClr val="dk2"/>
+    </dgm:linClrLst>
+    <dgm:effectClrLst/>
+    <dgm:txLinClrLst/>
+    <dgm:txFillClrLst meth="repeat">
+      <a:schemeClr val="dk1"/>
+    </dgm:txFillClrLst>
+    <dgm:txEffectClrLst/>
+  </dgm:styleLbl>
+  <dgm:styleLbl name="fgAcc2">
+    <dgm:fillClrLst meth="repeat">
+      <a:schemeClr val="lt2">
+        <a:alpha val="90000"/>
+      </a:schemeClr>
+    </dgm:fillClrLst>
+    <dgm:linClrLst meth="repeat">
+      <a:schemeClr val="dk2"/>
+    </dgm:linClrLst>
+    <dgm:effectClrLst/>
+    <dgm:txLinClrLst/>
+    <dgm:txFillClrLst meth="repeat">
+      <a:schemeClr val="dk1"/>
+    </dgm:txFillClrLst>
+    <dgm:txEffectClrLst/>
+  </dgm:styleLbl>
+  <dgm:styleLbl name="fgAcc3">
+    <dgm:fillClrLst meth="repeat">
+      <a:schemeClr val="lt2">
+        <a:alpha val="90000"/>
+      </a:schemeClr>
+    </dgm:fillClrLst>
+    <dgm:linClrLst meth="repeat">
+      <a:schemeClr val="dk2"/>
+    </dgm:linClrLst>
+    <dgm:effectClrLst/>
+    <dgm:txLinClrLst/>
+    <dgm:txFillClrLst meth="repeat">
+      <a:schemeClr val="dk1"/>
+    </dgm:txFillClrLst>
+    <dgm:txEffectClrLst/>
+  </dgm:styleLbl>
+  <dgm:styleLbl name="fgAcc4">
+    <dgm:fillClrLst meth="repeat">
+      <a:schemeClr val="lt2">
+        <a:alpha val="90000"/>
+      </a:schemeClr>
+    </dgm:fillClrLst>
+    <dgm:linClrLst meth="repeat">
+      <a:schemeClr val="dk2"/>
+    </dgm:linClrLst>
+    <dgm:effectClrLst/>
+    <dgm:txLinClrLst/>
+    <dgm:txFillClrLst meth="repeat">
+      <a:schemeClr val="dk1"/>
+    </dgm:txFillClrLst>
+    <dgm:txEffectClrLst/>
+  </dgm:styleLbl>
+  <dgm:styleLbl name="bgShp">
+    <dgm:fillClrLst meth="repeat">
+      <a:schemeClr val="dk2">
+        <a:tint val="40000"/>
+      </a:schemeClr>
+    </dgm:fillClrLst>
+    <dgm:linClrLst meth="repeat">
+      <a:schemeClr val="dk2"/>
+    </dgm:linClrLst>
+    <dgm:effectClrLst/>
+    <dgm:txLinClrLst/>
+    <dgm:txFillClrLst meth="repeat">
+      <a:schemeClr val="dk1"/>
+    </dgm:txFillClrLst>
+    <dgm:txEffectClrLst/>
+  </dgm:styleLbl>
+  <dgm:styleLbl name="dkBgShp">
+    <dgm:fillClrLst meth="repeat">
+      <a:schemeClr val="dk2">
+        <a:shade val="80000"/>
+      </a:schemeClr>
+    </dgm:fillClrLst>
+    <dgm:linClrLst meth="repeat">
+      <a:schemeClr val="dk2"/>
+    </dgm:linClrLst>
+    <dgm:effectClrLst/>
+    <dgm:txLinClrLst/>
+    <dgm:txFillClrLst meth="repeat">
+      <a:schemeClr val="lt1"/>
+    </dgm:txFillClrLst>
+    <dgm:txEffectClrLst/>
+  </dgm:styleLbl>
+  <dgm:styleLbl name="trBgShp">
+    <dgm:fillClrLst meth="repeat">
+      <a:schemeClr val="dk2">
+        <a:tint val="50000"/>
+        <a:alpha val="40000"/>
+      </a:schemeClr>
+    </dgm:fillClrLst>
+    <dgm:linClrLst meth="repeat">
+      <a:schemeClr val="dk2"/>
+    </dgm:linClrLst>
+    <dgm:effectClrLst/>
+    <dgm:txLinClrLst/>
+    <dgm:txFillClrLst meth="repeat">
+      <a:schemeClr val="lt1"/>
+    </dgm:txFillClrLst>
+    <dgm:txEffectClrLst/>
+  </dgm:styleLbl>
+  <dgm:styleLbl name="fgShp">
+    <dgm:fillClrLst meth="repeat">
+      <a:schemeClr val="dk2">
+        <a:tint val="60000"/>
+      </a:schemeClr>
+    </dgm:fillClrLst>
+    <dgm:linClrLst meth="repeat">
+      <a:schemeClr val="lt2"/>
+    </dgm:linClrLst>
+    <dgm:effectClrLst/>
+    <dgm:txLinClrLst/>
+    <dgm:txFillClrLst meth="repeat">
+      <a:schemeClr val="dk1"/>
+    </dgm:txFillClrLst>
+    <dgm:txEffectClrLst/>
+  </dgm:styleLbl>
+  <dgm:styleLbl name="revTx">
+    <dgm:fillClrLst meth="repeat">
+      <a:schemeClr val="lt2">
+        <a:alpha val="0"/>
+      </a:schemeClr>
+    </dgm:fillClrLst>
+    <dgm:linClrLst meth="repeat">
+      <a:schemeClr val="dk1">
+        <a:alpha val="0"/>
+      </a:schemeClr>
+    </dgm:linClrLst>
+    <dgm:effectClrLst/>
+    <dgm:txLinClrLst/>
+    <dgm:txFillClrLst meth="repeat">
+      <a:schemeClr val="tx1"/>
+    </dgm:txFillClrLst>
+    <dgm:txEffectClrLst/>
+  </dgm:styleLbl>
+</dgm:colorsDef>
+</file>
+
+<file path=ppt/diagrams/data1.xml><?xml version="1.0" encoding="utf-8"?>
+<dgm:dataModel xmlns:dgm="http://schemas.openxmlformats.org/drawingml/2006/diagram" xmlns:a="http://schemas.openxmlformats.org/drawingml/2006/main">
+  <dgm:ptLst>
+    <dgm:pt modelId="{E0565618-0652-4D78-8A5E-0247BD345B5C}" type="doc">
+      <dgm:prSet loTypeId="urn:microsoft.com/office/officeart/2005/8/layout/vList2" loCatId="Inbox" qsTypeId="urn:microsoft.com/office/officeart/2005/8/quickstyle/simple1" qsCatId="simple" csTypeId="urn:microsoft.com/office/officeart/2005/8/colors/accent0_3" csCatId="mainScheme" phldr="1"/>
+      <dgm:spPr/>
+      <dgm:t>
+        <a:bodyPr/>
+        <a:lstStyle/>
+        <a:p>
+          <a:endParaRPr lang="en-US"/>
+        </a:p>
+      </dgm:t>
+    </dgm:pt>
+    <dgm:pt modelId="{9B6C1191-11F4-4E9D-AA34-414F8F05E48C}">
+      <dgm:prSet/>
+      <dgm:spPr/>
+      <dgm:t>
+        <a:bodyPr/>
+        <a:lstStyle/>
+        <a:p>
+          <a:r>
+            <a:rPr lang="en-US" dirty="0"/>
+            <a:t>git add .</a:t>
+          </a:r>
+        </a:p>
+      </dgm:t>
+    </dgm:pt>
+    <dgm:pt modelId="{24A61EB4-88DE-4292-9D92-FADD5E34A074}" type="parTrans" cxnId="{3F3FDD00-3A88-4268-A8ED-456DA0DB5254}">
+      <dgm:prSet/>
+      <dgm:spPr/>
+      <dgm:t>
+        <a:bodyPr/>
+        <a:lstStyle/>
+        <a:p>
+          <a:endParaRPr lang="en-US"/>
+        </a:p>
+      </dgm:t>
+    </dgm:pt>
+    <dgm:pt modelId="{3D708262-784D-4439-8CFD-D63A90A42E33}" type="sibTrans" cxnId="{3F3FDD00-3A88-4268-A8ED-456DA0DB5254}">
+      <dgm:prSet/>
+      <dgm:spPr/>
+      <dgm:t>
+        <a:bodyPr/>
+        <a:lstStyle/>
+        <a:p>
+          <a:endParaRPr lang="en-US"/>
+        </a:p>
+      </dgm:t>
+    </dgm:pt>
+    <dgm:pt modelId="{15A5B45A-CF3C-4080-8CBE-CEDDACDFBA43}">
+      <dgm:prSet/>
+      <dgm:spPr/>
+      <dgm:t>
+        <a:bodyPr/>
+        <a:lstStyle/>
+        <a:p>
+          <a:r>
+            <a:rPr lang="en-US"/>
+            <a:t>git commit –m ‘</a:t>
+          </a:r>
+          <a:r>
+            <a:rPr lang="en-US" b="0"/>
+            <a:t>use api.ai</a:t>
+          </a:r>
+          <a:r>
+            <a:rPr lang="en-US"/>
+            <a:t>’</a:t>
+          </a:r>
+        </a:p>
+      </dgm:t>
+    </dgm:pt>
+    <dgm:pt modelId="{1EC7BB39-871E-4E85-9BBF-B0EF4A3C1EC2}" type="parTrans" cxnId="{30210E00-A3AA-4109-A90B-742737472F21}">
+      <dgm:prSet/>
+      <dgm:spPr/>
+      <dgm:t>
+        <a:bodyPr/>
+        <a:lstStyle/>
+        <a:p>
+          <a:pPr latinLnBrk="1"/>
+          <a:endParaRPr lang="ko-KR" altLang="en-US"/>
+        </a:p>
+      </dgm:t>
+    </dgm:pt>
+    <dgm:pt modelId="{27660471-39F9-4E8D-968A-E0588533643C}" type="sibTrans" cxnId="{30210E00-A3AA-4109-A90B-742737472F21}">
+      <dgm:prSet/>
+      <dgm:spPr/>
+      <dgm:t>
+        <a:bodyPr/>
+        <a:lstStyle/>
+        <a:p>
+          <a:pPr latinLnBrk="1"/>
+          <a:endParaRPr lang="ko-KR" altLang="en-US"/>
+        </a:p>
+      </dgm:t>
+    </dgm:pt>
+    <dgm:pt modelId="{A0159407-A176-4FD8-843A-78E6CA95E577}">
+      <dgm:prSet/>
+      <dgm:spPr/>
+      <dgm:t>
+        <a:bodyPr/>
+        <a:lstStyle/>
+        <a:p>
+          <a:r>
+            <a:rPr lang="en-US" dirty="0"/>
+            <a:t>git push Heroku master</a:t>
+          </a:r>
+        </a:p>
+      </dgm:t>
+    </dgm:pt>
+    <dgm:pt modelId="{33D5C6E0-0B51-41D3-A78A-B45E9C5696AD}" type="parTrans" cxnId="{A3875BF6-3DF2-49C3-BF9F-6F3207850D79}">
+      <dgm:prSet/>
+      <dgm:spPr/>
+      <dgm:t>
+        <a:bodyPr/>
+        <a:lstStyle/>
+        <a:p>
+          <a:pPr latinLnBrk="1"/>
+          <a:endParaRPr lang="ko-KR" altLang="en-US"/>
+        </a:p>
+      </dgm:t>
+    </dgm:pt>
+    <dgm:pt modelId="{0839D389-DB6B-4429-931C-0892B2ADB654}" type="sibTrans" cxnId="{A3875BF6-3DF2-49C3-BF9F-6F3207850D79}">
+      <dgm:prSet/>
+      <dgm:spPr/>
+      <dgm:t>
+        <a:bodyPr/>
+        <a:lstStyle/>
+        <a:p>
+          <a:pPr latinLnBrk="1"/>
+          <a:endParaRPr lang="ko-KR" altLang="en-US"/>
+        </a:p>
+      </dgm:t>
+    </dgm:pt>
+    <dgm:pt modelId="{46CDC09F-E514-4B58-AEDF-F42CC3CEF480}" type="pres">
+      <dgm:prSet presAssocID="{E0565618-0652-4D78-8A5E-0247BD345B5C}" presName="linear" presStyleCnt="0">
+        <dgm:presLayoutVars>
+          <dgm:animLvl val="lvl"/>
+          <dgm:resizeHandles val="exact"/>
+        </dgm:presLayoutVars>
+      </dgm:prSet>
+      <dgm:spPr/>
+    </dgm:pt>
+    <dgm:pt modelId="{09746F0C-2065-49A4-9EB9-DA323A82B8C1}" type="pres">
+      <dgm:prSet presAssocID="{9B6C1191-11F4-4E9D-AA34-414F8F05E48C}" presName="parentText" presStyleLbl="node1" presStyleIdx="0" presStyleCnt="3">
+        <dgm:presLayoutVars>
+          <dgm:chMax val="0"/>
+          <dgm:bulletEnabled val="1"/>
+        </dgm:presLayoutVars>
+      </dgm:prSet>
+      <dgm:spPr/>
+    </dgm:pt>
+    <dgm:pt modelId="{C965210B-D761-4A80-8619-C8BAA819714C}" type="pres">
+      <dgm:prSet presAssocID="{3D708262-784D-4439-8CFD-D63A90A42E33}" presName="spacer" presStyleCnt="0"/>
+      <dgm:spPr/>
+    </dgm:pt>
+    <dgm:pt modelId="{A3F7039D-AAA1-46B6-82A9-3F58C419DD4B}" type="pres">
+      <dgm:prSet presAssocID="{15A5B45A-CF3C-4080-8CBE-CEDDACDFBA43}" presName="parentText" presStyleLbl="node1" presStyleIdx="1" presStyleCnt="3">
+        <dgm:presLayoutVars>
+          <dgm:chMax val="0"/>
+          <dgm:bulletEnabled val="1"/>
+        </dgm:presLayoutVars>
+      </dgm:prSet>
+      <dgm:spPr/>
+    </dgm:pt>
+    <dgm:pt modelId="{DCD8D155-55D6-470E-8F9A-A6E542793E9A}" type="pres">
+      <dgm:prSet presAssocID="{27660471-39F9-4E8D-968A-E0588533643C}" presName="spacer" presStyleCnt="0"/>
+      <dgm:spPr/>
+    </dgm:pt>
+    <dgm:pt modelId="{0C6EB3EE-EF2A-46D4-819D-75FC39C4CA3F}" type="pres">
+      <dgm:prSet presAssocID="{A0159407-A176-4FD8-843A-78E6CA95E577}" presName="parentText" presStyleLbl="node1" presStyleIdx="2" presStyleCnt="3">
+        <dgm:presLayoutVars>
+          <dgm:chMax val="0"/>
+          <dgm:bulletEnabled val="1"/>
+        </dgm:presLayoutVars>
+      </dgm:prSet>
+      <dgm:spPr/>
+    </dgm:pt>
+  </dgm:ptLst>
+  <dgm:cxnLst>
+    <dgm:cxn modelId="{30210E00-A3AA-4109-A90B-742737472F21}" srcId="{E0565618-0652-4D78-8A5E-0247BD345B5C}" destId="{15A5B45A-CF3C-4080-8CBE-CEDDACDFBA43}" srcOrd="1" destOrd="0" parTransId="{1EC7BB39-871E-4E85-9BBF-B0EF4A3C1EC2}" sibTransId="{27660471-39F9-4E8D-968A-E0588533643C}"/>
+    <dgm:cxn modelId="{3F3FDD00-3A88-4268-A8ED-456DA0DB5254}" srcId="{E0565618-0652-4D78-8A5E-0247BD345B5C}" destId="{9B6C1191-11F4-4E9D-AA34-414F8F05E48C}" srcOrd="0" destOrd="0" parTransId="{24A61EB4-88DE-4292-9D92-FADD5E34A074}" sibTransId="{3D708262-784D-4439-8CFD-D63A90A42E33}"/>
+    <dgm:cxn modelId="{3DC1F35C-B2F0-43F2-8312-0ED2B67DB4B4}" type="presOf" srcId="{A0159407-A176-4FD8-843A-78E6CA95E577}" destId="{0C6EB3EE-EF2A-46D4-819D-75FC39C4CA3F}" srcOrd="0" destOrd="0" presId="urn:microsoft.com/office/officeart/2005/8/layout/vList2"/>
+    <dgm:cxn modelId="{DE93AB66-971C-4C8D-B8DC-BE56E1D7CABC}" type="presOf" srcId="{15A5B45A-CF3C-4080-8CBE-CEDDACDFBA43}" destId="{A3F7039D-AAA1-46B6-82A9-3F58C419DD4B}" srcOrd="0" destOrd="0" presId="urn:microsoft.com/office/officeart/2005/8/layout/vList2"/>
+    <dgm:cxn modelId="{815559EA-BF65-4A1D-9722-A9DCEA40562D}" type="presOf" srcId="{9B6C1191-11F4-4E9D-AA34-414F8F05E48C}" destId="{09746F0C-2065-49A4-9EB9-DA323A82B8C1}" srcOrd="0" destOrd="0" presId="urn:microsoft.com/office/officeart/2005/8/layout/vList2"/>
+    <dgm:cxn modelId="{DE441FF1-A5E5-402B-8022-D3F06C51D04C}" type="presOf" srcId="{E0565618-0652-4D78-8A5E-0247BD345B5C}" destId="{46CDC09F-E514-4B58-AEDF-F42CC3CEF480}" srcOrd="0" destOrd="0" presId="urn:microsoft.com/office/officeart/2005/8/layout/vList2"/>
+    <dgm:cxn modelId="{A3875BF6-3DF2-49C3-BF9F-6F3207850D79}" srcId="{E0565618-0652-4D78-8A5E-0247BD345B5C}" destId="{A0159407-A176-4FD8-843A-78E6CA95E577}" srcOrd="2" destOrd="0" parTransId="{33D5C6E0-0B51-41D3-A78A-B45E9C5696AD}" sibTransId="{0839D389-DB6B-4429-931C-0892B2ADB654}"/>
+    <dgm:cxn modelId="{42D20100-07A6-42E5-A190-D23A84BC7C91}" type="presParOf" srcId="{46CDC09F-E514-4B58-AEDF-F42CC3CEF480}" destId="{09746F0C-2065-49A4-9EB9-DA323A82B8C1}" srcOrd="0" destOrd="0" presId="urn:microsoft.com/office/officeart/2005/8/layout/vList2"/>
+    <dgm:cxn modelId="{27B0ECA2-E0E0-4047-8FD0-18C501FD0DE7}" type="presParOf" srcId="{46CDC09F-E514-4B58-AEDF-F42CC3CEF480}" destId="{C965210B-D761-4A80-8619-C8BAA819714C}" srcOrd="1" destOrd="0" presId="urn:microsoft.com/office/officeart/2005/8/layout/vList2"/>
+    <dgm:cxn modelId="{D0455AD5-E26D-4956-9521-B30133FCFE07}" type="presParOf" srcId="{46CDC09F-E514-4B58-AEDF-F42CC3CEF480}" destId="{A3F7039D-AAA1-46B6-82A9-3F58C419DD4B}" srcOrd="2" destOrd="0" presId="urn:microsoft.com/office/officeart/2005/8/layout/vList2"/>
+    <dgm:cxn modelId="{9D5C76C5-BAAF-46D6-A789-0DAE036067E5}" type="presParOf" srcId="{46CDC09F-E514-4B58-AEDF-F42CC3CEF480}" destId="{DCD8D155-55D6-470E-8F9A-A6E542793E9A}" srcOrd="3" destOrd="0" presId="urn:microsoft.com/office/officeart/2005/8/layout/vList2"/>
+    <dgm:cxn modelId="{9008039F-F237-4ECC-8698-1CB5606DECC0}" type="presParOf" srcId="{46CDC09F-E514-4B58-AEDF-F42CC3CEF480}" destId="{0C6EB3EE-EF2A-46D4-819D-75FC39C4CA3F}" srcOrd="4" destOrd="0" presId="urn:microsoft.com/office/officeart/2005/8/layout/vList2"/>
+  </dgm:cxnLst>
+  <dgm:bg/>
+  <dgm:whole/>
+  <dgm:extLst>
+    <a:ext uri="http://schemas.microsoft.com/office/drawing/2008/diagram">
+      <dsp:dataModelExt xmlns:dsp="http://schemas.microsoft.com/office/drawing/2008/diagram" relId="rId7" minVer="http://schemas.openxmlformats.org/drawingml/2006/diagram"/>
+    </a:ext>
+  </dgm:extLst>
+</dgm:dataModel>
+</file>
+
+<file path=ppt/diagrams/drawing1.xml><?xml version="1.0" encoding="utf-8"?>
+<dsp:drawing xmlns:dgm="http://schemas.openxmlformats.org/drawingml/2006/diagram" xmlns:dsp="http://schemas.microsoft.com/office/drawing/2008/diagram" xmlns:a="http://schemas.openxmlformats.org/drawingml/2006/main">
+  <dsp:spTree>
+    <dsp:nvGrpSpPr>
+      <dsp:cNvPr id="0" name=""/>
+      <dsp:cNvGrpSpPr/>
+    </dsp:nvGrpSpPr>
+    <dsp:grpSpPr/>
+    <dsp:sp modelId="{09746F0C-2065-49A4-9EB9-DA323A82B8C1}">
+      <dsp:nvSpPr>
+        <dsp:cNvPr id="0" name=""/>
+        <dsp:cNvSpPr/>
+      </dsp:nvSpPr>
+      <dsp:spPr>
+        <a:xfrm>
+          <a:off x="0" y="31787"/>
+          <a:ext cx="10261599" cy="936000"/>
+        </a:xfrm>
+        <a:prstGeom prst="roundRect">
+          <a:avLst/>
+        </a:prstGeom>
+        <a:solidFill>
+          <a:schemeClr val="dk2">
+            <a:hueOff val="0"/>
+            <a:satOff val="0"/>
+            <a:lumOff val="0"/>
+            <a:alphaOff val="0"/>
+          </a:schemeClr>
+        </a:solidFill>
+        <a:ln w="12700" cap="flat" cmpd="sng" algn="ctr">
+          <a:solidFill>
+            <a:schemeClr val="lt2">
+              <a:hueOff val="0"/>
+              <a:satOff val="0"/>
+              <a:lumOff val="0"/>
+              <a:alphaOff val="0"/>
+            </a:schemeClr>
+          </a:solidFill>
+          <a:prstDash val="solid"/>
+        </a:ln>
+        <a:effectLst/>
+      </dsp:spPr>
+      <dsp:style>
+        <a:lnRef idx="2">
+          <a:scrgbClr r="0" g="0" b="0"/>
+        </a:lnRef>
+        <a:fillRef idx="1">
+          <a:scrgbClr r="0" g="0" b="0"/>
+        </a:fillRef>
+        <a:effectRef idx="0">
+          <a:scrgbClr r="0" g="0" b="0"/>
+        </a:effectRef>
+        <a:fontRef idx="minor">
+          <a:schemeClr val="lt1"/>
+        </a:fontRef>
+      </dsp:style>
+      <dsp:txBody>
+        <a:bodyPr spcFirstLastPara="0" vert="horz" wrap="square" lIns="152400" tIns="152400" rIns="152400" bIns="152400" numCol="1" spcCol="1270" anchor="ctr" anchorCtr="0">
+          <a:noAutofit/>
+        </a:bodyPr>
+        <a:lstStyle/>
+        <a:p>
+          <a:pPr marL="0" lvl="0" indent="0" algn="l" defTabSz="1778000">
+            <a:lnSpc>
+              <a:spcPct val="90000"/>
+            </a:lnSpc>
+            <a:spcBef>
+              <a:spcPct val="0"/>
+            </a:spcBef>
+            <a:spcAft>
+              <a:spcPct val="35000"/>
+            </a:spcAft>
+            <a:buNone/>
+          </a:pPr>
+          <a:r>
+            <a:rPr lang="en-US" sz="4000" kern="1200" dirty="0"/>
+            <a:t>git add .</a:t>
+          </a:r>
+        </a:p>
+      </dsp:txBody>
+      <dsp:txXfrm>
+        <a:off x="45692" y="77479"/>
+        <a:ext cx="10170215" cy="844616"/>
+      </dsp:txXfrm>
+    </dsp:sp>
+    <dsp:sp modelId="{A3F7039D-AAA1-46B6-82A9-3F58C419DD4B}">
+      <dsp:nvSpPr>
+        <dsp:cNvPr id="0" name=""/>
+        <dsp:cNvSpPr/>
+      </dsp:nvSpPr>
+      <dsp:spPr>
+        <a:xfrm>
+          <a:off x="0" y="1082987"/>
+          <a:ext cx="10261599" cy="936000"/>
+        </a:xfrm>
+        <a:prstGeom prst="roundRect">
+          <a:avLst/>
+        </a:prstGeom>
+        <a:solidFill>
+          <a:schemeClr val="dk2">
+            <a:hueOff val="0"/>
+            <a:satOff val="0"/>
+            <a:lumOff val="0"/>
+            <a:alphaOff val="0"/>
+          </a:schemeClr>
+        </a:solidFill>
+        <a:ln w="12700" cap="flat" cmpd="sng" algn="ctr">
+          <a:solidFill>
+            <a:schemeClr val="lt2">
+              <a:hueOff val="0"/>
+              <a:satOff val="0"/>
+              <a:lumOff val="0"/>
+              <a:alphaOff val="0"/>
+            </a:schemeClr>
+          </a:solidFill>
+          <a:prstDash val="solid"/>
+        </a:ln>
+        <a:effectLst/>
+      </dsp:spPr>
+      <dsp:style>
+        <a:lnRef idx="2">
+          <a:scrgbClr r="0" g="0" b="0"/>
+        </a:lnRef>
+        <a:fillRef idx="1">
+          <a:scrgbClr r="0" g="0" b="0"/>
+        </a:fillRef>
+        <a:effectRef idx="0">
+          <a:scrgbClr r="0" g="0" b="0"/>
+        </a:effectRef>
+        <a:fontRef idx="minor">
+          <a:schemeClr val="lt1"/>
+        </a:fontRef>
+      </dsp:style>
+      <dsp:txBody>
+        <a:bodyPr spcFirstLastPara="0" vert="horz" wrap="square" lIns="152400" tIns="152400" rIns="152400" bIns="152400" numCol="1" spcCol="1270" anchor="ctr" anchorCtr="0">
+          <a:noAutofit/>
+        </a:bodyPr>
+        <a:lstStyle/>
+        <a:p>
+          <a:pPr marL="0" lvl="0" indent="0" algn="l" defTabSz="1778000">
+            <a:lnSpc>
+              <a:spcPct val="90000"/>
+            </a:lnSpc>
+            <a:spcBef>
+              <a:spcPct val="0"/>
+            </a:spcBef>
+            <a:spcAft>
+              <a:spcPct val="35000"/>
+            </a:spcAft>
+            <a:buNone/>
+          </a:pPr>
+          <a:r>
+            <a:rPr lang="en-US" sz="4000" kern="1200"/>
+            <a:t>git commit –m ‘</a:t>
+          </a:r>
+          <a:r>
+            <a:rPr lang="en-US" sz="4000" b="0" kern="1200"/>
+            <a:t>use api.ai</a:t>
+          </a:r>
+          <a:r>
+            <a:rPr lang="en-US" sz="4000" kern="1200"/>
+            <a:t>’</a:t>
+          </a:r>
+        </a:p>
+      </dsp:txBody>
+      <dsp:txXfrm>
+        <a:off x="45692" y="1128679"/>
+        <a:ext cx="10170215" cy="844616"/>
+      </dsp:txXfrm>
+    </dsp:sp>
+    <dsp:sp modelId="{0C6EB3EE-EF2A-46D4-819D-75FC39C4CA3F}">
+      <dsp:nvSpPr>
+        <dsp:cNvPr id="0" name=""/>
+        <dsp:cNvSpPr/>
+      </dsp:nvSpPr>
+      <dsp:spPr>
+        <a:xfrm>
+          <a:off x="0" y="2134187"/>
+          <a:ext cx="10261599" cy="936000"/>
+        </a:xfrm>
+        <a:prstGeom prst="roundRect">
+          <a:avLst/>
+        </a:prstGeom>
+        <a:solidFill>
+          <a:schemeClr val="dk2">
+            <a:hueOff val="0"/>
+            <a:satOff val="0"/>
+            <a:lumOff val="0"/>
+            <a:alphaOff val="0"/>
+          </a:schemeClr>
+        </a:solidFill>
+        <a:ln w="12700" cap="flat" cmpd="sng" algn="ctr">
+          <a:solidFill>
+            <a:schemeClr val="lt2">
+              <a:hueOff val="0"/>
+              <a:satOff val="0"/>
+              <a:lumOff val="0"/>
+              <a:alphaOff val="0"/>
+            </a:schemeClr>
+          </a:solidFill>
+          <a:prstDash val="solid"/>
+        </a:ln>
+        <a:effectLst/>
+      </dsp:spPr>
+      <dsp:style>
+        <a:lnRef idx="2">
+          <a:scrgbClr r="0" g="0" b="0"/>
+        </a:lnRef>
+        <a:fillRef idx="1">
+          <a:scrgbClr r="0" g="0" b="0"/>
+        </a:fillRef>
+        <a:effectRef idx="0">
+          <a:scrgbClr r="0" g="0" b="0"/>
+        </a:effectRef>
+        <a:fontRef idx="minor">
+          <a:schemeClr val="lt1"/>
+        </a:fontRef>
+      </dsp:style>
+      <dsp:txBody>
+        <a:bodyPr spcFirstLastPara="0" vert="horz" wrap="square" lIns="152400" tIns="152400" rIns="152400" bIns="152400" numCol="1" spcCol="1270" anchor="ctr" anchorCtr="0">
+          <a:noAutofit/>
+        </a:bodyPr>
+        <a:lstStyle/>
+        <a:p>
+          <a:pPr marL="0" lvl="0" indent="0" algn="l" defTabSz="1778000">
+            <a:lnSpc>
+              <a:spcPct val="90000"/>
+            </a:lnSpc>
+            <a:spcBef>
+              <a:spcPct val="0"/>
+            </a:spcBef>
+            <a:spcAft>
+              <a:spcPct val="35000"/>
+            </a:spcAft>
+            <a:buNone/>
+          </a:pPr>
+          <a:r>
+            <a:rPr lang="en-US" sz="4000" kern="1200" dirty="0"/>
+            <a:t>git push Heroku master</a:t>
+          </a:r>
+        </a:p>
+      </dsp:txBody>
+      <dsp:txXfrm>
+        <a:off x="45692" y="2179879"/>
+        <a:ext cx="10170215" cy="844616"/>
+      </dsp:txXfrm>
+    </dsp:sp>
+  </dsp:spTree>
+</dsp:drawing>
+</file>
+
+<file path=ppt/diagrams/layout1.xml><?xml version="1.0" encoding="utf-8"?>
+<dgm:layoutDef xmlns:dgm="http://schemas.openxmlformats.org/drawingml/2006/diagram" xmlns:a="http://schemas.openxmlformats.org/drawingml/2006/main" uniqueId="urn:microsoft.com/office/officeart/2005/8/layout/vList2">
+  <dgm:title val=""/>
+  <dgm:desc val=""/>
+  <dgm:catLst>
+    <dgm:cat type="list" pri="3000"/>
+    <dgm:cat type="convert" pri="1000"/>
+  </dgm:catLst>
+  <dgm:sampData>
+    <dgm:dataModel>
+      <dgm:ptLst>
+        <dgm:pt modelId="0" type="doc"/>
+        <dgm:pt modelId="1">
+          <dgm:prSet phldr="1"/>
+        </dgm:pt>
+        <dgm:pt modelId="11">
+          <dgm:prSet phldr="1"/>
+        </dgm:pt>
+        <dgm:pt modelId="2">
+          <dgm:prSet phldr="1"/>
+        </dgm:pt>
+        <dgm:pt modelId="21">
+          <dgm:prSet phldr="1"/>
+        </dgm:pt>
+      </dgm:ptLst>
+      <dgm:cxnLst>
+        <dgm:cxn modelId="4" srcId="0" destId="1" srcOrd="0" destOrd="0"/>
+        <dgm:cxn modelId="5" srcId="0" destId="2" srcOrd="1" destOrd="0"/>
+        <dgm:cxn modelId="12" srcId="1" destId="11" srcOrd="0" destOrd="0"/>
+        <dgm:cxn modelId="23" srcId="2" destId="21" srcOrd="0" destOrd="0"/>
+      </dgm:cxnLst>
+      <dgm:bg/>
+      <dgm:whole/>
+    </dgm:dataModel>
+  </dgm:sampData>
+  <dgm:styleData>
+    <dgm:dataModel>
+      <dgm:ptLst>
+        <dgm:pt modelId="0" type="doc"/>
+        <dgm:pt modelId="1"/>
+        <dgm:pt modelId="2"/>
+      </dgm:ptLst>
+      <dgm:cxnLst>
+        <dgm:cxn modelId="3" srcId="0" destId="1" srcOrd="0" destOrd="0"/>
+        <dgm:cxn modelId="4" srcId="0" destId="2" srcOrd="1" destOrd="0"/>
+      </dgm:cxnLst>
+      <dgm:bg/>
+      <dgm:whole/>
+    </dgm:dataModel>
+  </dgm:styleData>
+  <dgm:clrData>
+    <dgm:dataModel>
+      <dgm:ptLst>
+        <dgm:pt modelId="0" type="doc"/>
+        <dgm:pt modelId="1"/>
+        <dgm:pt modelId="2"/>
+        <dgm:pt modelId="3"/>
+        <dgm:pt modelId="4"/>
+      </dgm:ptLst>
+      <dgm:cxnLst>
+        <dgm:cxn modelId="5" srcId="0" destId="1" srcOrd="0" destOrd="0"/>
+        <dgm:cxn modelId="6" srcId="0" destId="2" srcOrd="1" destOrd="0"/>
+        <dgm:cxn modelId="7" srcId="0" destId="3" srcOrd="2" destOrd="0"/>
+        <dgm:cxn modelId="8" srcId="0" destId="4" srcOrd="3" destOrd="0"/>
+      </dgm:cxnLst>
+      <dgm:bg/>
+      <dgm:whole/>
+    </dgm:dataModel>
+  </dgm:clrData>
+  <dgm:layoutNode name="linear">
+    <dgm:varLst>
+      <dgm:animLvl val="lvl"/>
+      <dgm:resizeHandles val="exact"/>
+    </dgm:varLst>
+    <dgm:alg type="lin">
+      <dgm:param type="linDir" val="fromT"/>
+      <dgm:param type="vertAlign" val="mid"/>
+    </dgm:alg>
+    <dgm:shape xmlns:r="http://schemas.openxmlformats.org/officeDocument/2006/relationships" r:blip="">
+      <dgm:adjLst/>
+    </dgm:shape>
+    <dgm:presOf/>
+    <dgm:constrLst>
+      <dgm:constr type="w" for="ch" forName="parentText" refType="w"/>
+      <dgm:constr type="h" for="ch" forName="parentText" refType="primFontSz" refFor="ch" refForName="parentText" fact="0.52"/>
+      <dgm:constr type="w" for="ch" forName="childText" refType="w"/>
+      <dgm:constr type="h" for="ch" forName="childText" refType="primFontSz" refFor="ch" refForName="parentText" fact="0.46"/>
+      <dgm:constr type="h" for="ch" forName="parentText" op="equ"/>
+      <dgm:constr type="primFontSz" for="ch" forName="parentText" op="equ" val="65"/>
+      <dgm:constr type="primFontSz" for="ch" forName="childText" refType="primFontSz" refFor="ch" refForName="parentText" op="equ"/>
+      <dgm:constr type="h" for="ch" forName="spacer" refType="primFontSz" refFor="ch" refForName="parentText" fact="0.08"/>
+    </dgm:constrLst>
+    <dgm:ruleLst>
+      <dgm:rule type="primFontSz" for="ch" forName="parentText" val="5" fact="NaN" max="NaN"/>
+    </dgm:ruleLst>
+    <dgm:forEach name="Name0" axis="ch" ptType="node">
+      <dgm:layoutNode name="parentText" styleLbl="node1">
+        <dgm:varLst>
+          <dgm:chMax val="0"/>
+          <dgm:bulletEnabled val="1"/>
+        </dgm:varLst>
+        <dgm:alg type="tx">
+          <dgm:param type="parTxLTRAlign" val="l"/>
+          <dgm:param type="parTxRTLAlign" val="r"/>
+        </dgm:alg>
+        <dgm:shape xmlns:r="http://schemas.openxmlformats.org/officeDocument/2006/relationships" type="roundRect" r:blip="">
+          <dgm:adjLst/>
+        </dgm:shape>
+        <dgm:presOf axis="self"/>
+        <dgm:constrLst>
+          <dgm:constr type="tMarg" refType="primFontSz" fact="0.3"/>
+          <dgm:constr type="bMarg" refType="primFontSz" fact="0.3"/>
+          <dgm:constr type="lMarg" refType="primFontSz" fact="0.3"/>
+          <dgm:constr type="rMarg" refType="primFontSz" fact="0.3"/>
+        </dgm:constrLst>
+        <dgm:ruleLst>
+          <dgm:rule type="h" val="INF" fact="NaN" max="NaN"/>
+        </dgm:ruleLst>
+      </dgm:layoutNode>
+      <dgm:choose name="Name1">
+        <dgm:if name="Name2" axis="ch" ptType="node" func="cnt" op="gte" val="1">
+          <dgm:layoutNode name="childText" styleLbl="revTx">
+            <dgm:varLst>
+              <dgm:bulletEnabled val="1"/>
+            </dgm:varLst>
+            <dgm:alg type="tx">
+              <dgm:param type="stBulletLvl" val="1"/>
+              <dgm:param type="lnSpAfChP" val="20"/>
+            </dgm:alg>
+            <dgm:shape xmlns:r="http://schemas.openxmlformats.org/officeDocument/2006/relationships" type="rect" r:blip="">
+              <dgm:adjLst/>
+            </dgm:shape>
+            <dgm:presOf axis="des" ptType="node"/>
+            <dgm:constrLst>
+              <dgm:constr type="tMarg" refType="primFontSz" fact="0.1"/>
+              <dgm:constr type="bMarg" refType="primFontSz" fact="0.1"/>
+              <dgm:constr type="lMarg" refType="w" fact="0.09"/>
+            </dgm:constrLst>
+            <dgm:ruleLst>
+              <dgm:rule type="h" val="INF" fact="NaN" max="NaN"/>
+            </dgm:ruleLst>
+          </dgm:layoutNode>
+        </dgm:if>
+        <dgm:else name="Name3">
+          <dgm:choose name="Name4">
+            <dgm:if name="Name5" axis="par ch" ptType="doc node" func="cnt" op="gte" val="2">
+              <dgm:forEach name="Name6" axis="followSib" ptType="sibTrans" cnt="1">
+                <dgm:layoutNode name="spacer">
+                  <dgm:alg type="sp"/>
+                  <dgm:shape xmlns:r="http://schemas.openxmlformats.org/officeDocument/2006/relationships" r:blip="">
+                    <dgm:adjLst/>
+                  </dgm:shape>
+                  <dgm:presOf/>
+                  <dgm:constrLst/>
+                  <dgm:ruleLst/>
+                </dgm:layoutNode>
+              </dgm:forEach>
+            </dgm:if>
+            <dgm:else name="Name7"/>
+          </dgm:choose>
+        </dgm:else>
+      </dgm:choose>
+    </dgm:forEach>
+  </dgm:layoutNode>
+</dgm:layoutDef>
+</file>
+
+<file path=ppt/diagrams/quickStyle1.xml><?xml version="1.0" encoding="utf-8"?>
+<dgm:styleDef xmlns:dgm="http://schemas.openxmlformats.org/drawingml/2006/diagram" xmlns:a="http://schemas.openxmlformats.org/drawingml/2006/main" uniqueId="urn:microsoft.com/office/officeart/2005/8/quickstyle/simple1">
+  <dgm:title val=""/>
+  <dgm:desc val=""/>
+  <dgm:catLst>
+    <dgm:cat type="simple" pri="10100"/>
+  </dgm:catLst>
+  <dgm:scene3d>
+    <a:camera prst="orthographicFront"/>
+    <a:lightRig rig="threePt" dir="t"/>
+  </dgm:scene3d>
+  <dgm:styleLbl name="node0">
+    <dgm:scene3d>
+      <a:camera prst="orthographicFront"/>
+      <a:lightRig rig="threePt" dir="t"/>
+    </dgm:scene3d>
+    <dgm:sp3d/>
+    <dgm:txPr/>
+    <dgm:style>
+      <a:lnRef idx="2">
+        <a:scrgbClr r="0" g="0" b="0"/>
+      </a:lnRef>
+      <a:fillRef idx="1">
+        <a:scrgbClr r="0" g="0" b="0"/>
+      </a:fillRef>
+      <a:effectRef idx="0">
+        <a:scrgbClr r="0" g="0" b="0"/>
+      </a:effectRef>
+      <a:fontRef idx="minor">
+        <a:schemeClr val="lt1"/>
+      </a:fontRef>
+    </dgm:style>
+  </dgm:styleLbl>
+  <dgm:styleLbl name="lnNode1">
+    <dgm:scene3d>
+      <a:camera prst="orthographicFront"/>
+      <a:lightRig rig="threePt" dir="t"/>
+    </dgm:scene3d>
+    <dgm:sp3d/>
+    <dgm:txPr/>
+    <dgm:style>
+      <a:lnRef idx="2">
+        <a:scrgbClr r="0" g="0" b="0"/>
+      </a:lnRef>
+      <a:fillRef idx="1">
+        <a:scrgbClr r="0" g="0" b="0"/>
+      </a:fillRef>
+      <a:effectRef idx="0">
+        <a:scrgbClr r="0" g="0" b="0"/>
+      </a:effectRef>
+      <a:fontRef idx="minor">
+        <a:schemeClr val="lt1"/>
+      </a:fontRef>
+    </dgm:style>
+  </dgm:styleLbl>
+  <dgm:styleLbl name="vennNode1">
+    <dgm:scene3d>
+      <a:camera prst="orthographicFront"/>
+      <a:lightRig rig="threePt" dir="t"/>
+    </dgm:scene3d>
+    <dgm:sp3d/>
+    <dgm:txPr/>
+    <dgm:style>
+      <a:lnRef idx="2">
+        <a:scrgbClr r="0" g="0" b="0"/>
+      </a:lnRef>
+      <a:fillRef idx="1">
+        <a:scrgbClr r="0" g="0" b="0"/>
+      </a:fillRef>
+      <a:effectRef idx="0">
+        <a:scrgbClr r="0" g="0" b="0"/>
+      </a:effectRef>
+      <a:fontRef idx="minor">
+        <a:schemeClr val="tx1"/>
+      </a:fontRef>
+    </dgm:style>
+  </dgm:styleLbl>
+  <dgm:styleLbl name="alignNode1">
+    <dgm:scene3d>
+      <a:camera prst="orthographicFront"/>
+      <a:lightRig rig="threePt" dir="t"/>
+    </dgm:scene3d>
+    <dgm:sp3d/>
+    <dgm:txPr/>
+    <dgm:style>
+      <a:lnRef idx="2">
+        <a:scrgbClr r="0" g="0" b="0"/>
+      </a:lnRef>
+      <a:fillRef idx="1">
+        <a:scrgbClr r="0" g="0" b="0"/>
+      </a:fillRef>
+      <a:effectRef idx="0">
+        <a:scrgbClr r="0" g="0" b="0"/>
+      </a:effectRef>
+      <a:fontRef idx="minor">
+        <a:schemeClr val="lt1"/>
+      </a:fontRef>
+    </dgm:style>
+  </dgm:styleLbl>
+  <dgm:styleLbl name="node1">
+    <dgm:scene3d>
+      <a:camera prst="orthographicFront"/>
+      <a:lightRig rig="threePt" dir="t"/>
+    </dgm:scene3d>
+    <dgm:sp3d/>
+    <dgm:txPr/>
+    <dgm:style>
+      <a:lnRef idx="2">
+        <a:scrgbClr r="0" g="0" b="0"/>
+      </a:lnRef>
+      <a:fillRef idx="1">
+        <a:scrgbClr r="0" g="0" b="0"/>
+      </a:fillRef>
+      <a:effectRef idx="0">
+        <a:scrgbClr r="0" g="0" b="0"/>
+      </a:effectRef>
+      <a:fontRef idx="minor">
+        <a:schemeClr val="lt1"/>
+      </a:fontRef>
+    </dgm:style>
+  </dgm:styleLbl>
+  <dgm:styleLbl name="node2">
+    <dgm:scene3d>
+      <a:camera prst="orthographicFront"/>
+      <a:lightRig rig="threePt" dir="t"/>
+    </dgm:scene3d>
+    <dgm:sp3d/>
+    <dgm:txPr/>
+    <dgm:style>
+      <a:lnRef idx="2">
+        <a:scrgbClr r="0" g="0" b="0"/>
+      </a:lnRef>
+      <a:fillRef idx="1">
+        <a:scrgbClr r="0" g="0" b="0"/>
+      </a:fillRef>
+      <a:effectRef idx="0">
+        <a:scrgbClr r="0" g="0" b="0"/>
+      </a:effectRef>
+      <a:fontRef idx="minor">
+        <a:schemeClr val="lt1"/>
+      </a:fontRef>
+    </dgm:style>
+  </dgm:styleLbl>
+  <dgm:styleLbl name="node3">
+    <dgm:scene3d>
+      <a:camera prst="orthographicFront"/>
+      <a:lightRig rig="threePt" dir="t"/>
+    </dgm:scene3d>
+    <dgm:sp3d/>
+    <dgm:txPr/>
+    <dgm:style>
+      <a:lnRef idx="2">
+        <a:scrgbClr r="0" g="0" b="0"/>
+      </a:lnRef>
+      <a:fillRef idx="1">
+        <a:scrgbClr r="0" g="0" b="0"/>
+      </a:fillRef>
+      <a:effectRef idx="0">
+        <a:scrgbClr r="0" g="0" b="0"/>
+      </a:effectRef>
+      <a:fontRef idx="minor">
+        <a:schemeClr val="lt1"/>
+      </a:fontRef>
+    </dgm:style>
+  </dgm:styleLbl>
+  <dgm:styleLbl name="node4">
+    <dgm:scene3d>
+      <a:camera prst="orthographicFront"/>
+      <a:lightRig rig="threePt" dir="t"/>
+    </dgm:scene3d>
+    <dgm:sp3d/>
+    <dgm:txPr/>
+    <dgm:style>
+      <a:lnRef idx="2">
+        <a:scrgbClr r="0" g="0" b="0"/>
+      </a:lnRef>
+      <a:fillRef idx="1">
+        <a:scrgbClr r="0" g="0" b="0"/>
+      </a:fillRef>
+      <a:effectRef idx="0">
+        <a:scrgbClr r="0" g="0" b="0"/>
+      </a:effectRef>
+      <a:fontRef idx="minor">
+        <a:schemeClr val="lt1"/>
+      </a:fontRef>
+    </dgm:style>
+  </dgm:styleLbl>
+  <dgm:styleLbl name="fgImgPlace1">
+    <dgm:scene3d>
+      <a:camera prst="orthographicFront"/>
+      <a:lightRig rig="threePt" dir="t"/>
+    </dgm:scene3d>
+    <dgm:sp3d/>
+    <dgm:txPr/>
+    <dgm:style>
+      <a:lnRef idx="2">
+        <a:scrgbClr r="0" g="0" b="0"/>
+      </a:lnRef>
+      <a:fillRef idx="1">
+        <a:scrgbClr r="0" g="0" b="0"/>
+      </a:fillRef>
+      <a:effectRef idx="0">
+        <a:scrgbClr r="0" g="0" b="0"/>
+      </a:effectRef>
+      <a:fontRef idx="minor"/>
+    </dgm:style>
+  </dgm:styleLbl>
+  <dgm:styleLbl name="alignImgPlace1">
+    <dgm:scene3d>
+      <a:camera prst="orthographicFront"/>
+      <a:lightRig rig="threePt" dir="t"/>
+    </dgm:scene3d>
+    <dgm:sp3d/>
+    <dgm:txPr/>
+    <dgm:style>
+      <a:lnRef idx="2">
+        <a:scrgbClr r="0" g="0" b="0"/>
+      </a:lnRef>
+      <a:fillRef idx="1">
+        <a:scrgbClr r="0" g="0" b="0"/>
+      </a:fillRef>
+      <a:effectRef idx="0">
+        <a:scrgbClr r="0" g="0" b="0"/>
+      </a:effectRef>
+      <a:fontRef idx="minor"/>
+    </dgm:style>
+  </dgm:styleLbl>
+  <dgm:styleLbl name="bgImgPlace1">
+    <dgm:scene3d>
+      <a:camera prst="orthographicFront"/>
+      <a:lightRig rig="threePt" dir="t"/>
+    </dgm:scene3d>
+    <dgm:sp3d/>
+    <dgm:txPr/>
+    <dgm:style>
+      <a:lnRef idx="2">
+        <a:scrgbClr r="0" g="0" b="0"/>
+      </a:lnRef>
+      <a:fillRef idx="1">
+        <a:scrgbClr r="0" g="0" b="0"/>
+      </a:fillRef>
+      <a:effectRef idx="0">
+        <a:scrgbClr r="0" g="0" b="0"/>
+      </a:effectRef>
+      <a:fontRef idx="minor"/>
+    </dgm:style>
+  </dgm:styleLbl>
+  <dgm:styleLbl name="sibTrans2D1">
+    <dgm:scene3d>
+      <a:camera prst="orthographicFront"/>
+      <a:lightRig rig="threePt" dir="t"/>
+    </dgm:scene3d>
+    <dgm:sp3d/>
+    <dgm:txPr/>
+    <dgm:style>
+      <a:lnRef idx="0">
+        <a:scrgbClr r="0" g="0" b="0"/>
+      </a:lnRef>
+      <a:fillRef idx="1">
+        <a:scrgbClr r="0" g="0" b="0"/>
+      </a:fillRef>
+      <a:effectRef idx="0">
+        <a:scrgbClr r="0" g="0" b="0"/>
+      </a:effectRef>
+      <a:fontRef idx="minor">
+        <a:schemeClr val="lt1"/>
+      </a:fontRef>
+    </dgm:style>
+  </dgm:styleLbl>
+  <dgm:styleLbl name="fgSibTrans2D1">
+    <dgm:scene3d>
+      <a:camera prst="orthographicFront"/>
+      <a:lightRig rig="threePt" dir="t"/>
+    </dgm:scene3d>
+    <dgm:sp3d/>
+    <dgm:txPr/>
+    <dgm:style>
+      <a:lnRef idx="0">
+        <a:scrgbClr r="0" g="0" b="0"/>
+      </a:lnRef>
+      <a:fillRef idx="1">
+        <a:scrgbClr r="0" g="0" b="0"/>
+      </a:fillRef>
+      <a:effectRef idx="0">
+        <a:scrgbClr r="0" g="0" b="0"/>
+      </a:effectRef>
+      <a:fontRef idx="minor">
+        <a:schemeClr val="lt1"/>
+      </a:fontRef>
+    </dgm:style>
+  </dgm:styleLbl>
+  <dgm:styleLbl name="bgSibTrans2D1">
+    <dgm:scene3d>
+      <a:camera prst="orthographicFront"/>
+      <a:lightRig rig="threePt" dir="t"/>
+    </dgm:scene3d>
+    <dgm:sp3d/>
+    <dgm:txPr/>
+    <dgm:style>
+      <a:lnRef idx="0">
+        <a:scrgbClr r="0" g="0" b="0"/>
+      </a:lnRef>
+      <a:fillRef idx="1">
+        <a:scrgbClr r="0" g="0" b="0"/>
+      </a:fillRef>
+      <a:effectRef idx="0">
+        <a:scrgbClr r="0" g="0" b="0"/>
+      </a:effectRef>
+      <a:fontRef idx="minor">
+        <a:schemeClr val="lt1"/>
+      </a:fontRef>
+    </dgm:style>
+  </dgm:styleLbl>
+  <dgm:styleLbl name="sibTrans1D1">
+    <dgm:scene3d>
+      <a:camera prst="orthographicFront"/>
+      <a:lightRig rig="threePt" dir="t"/>
+    </dgm:scene3d>
+    <dgm:sp3d/>
+    <dgm:txPr/>
+    <dgm:style>
+      <a:lnRef idx="1">
+        <a:scrgbClr r="0" g="0" b="0"/>
+      </a:lnRef>
+      <a:fillRef idx="0">
+        <a:scrgbClr r="0" g="0" b="0"/>
+      </a:fillRef>
+      <a:effectRef idx="0">
+        <a:scrgbClr r="0" g="0" b="0"/>
+      </a:effectRef>
+      <a:fontRef idx="minor"/>
+    </dgm:style>
+  </dgm:styleLbl>
+  <dgm:styleLbl name="callout">
+    <dgm:scene3d>
+      <a:camera prst="orthographicFront"/>
+      <a:lightRig rig="threePt" dir="t"/>
+    </dgm:scene3d>
+    <dgm:sp3d/>
+    <dgm:txPr/>
+    <dgm:style>
+      <a:lnRef idx="2">
+        <a:scrgbClr r="0" g="0" b="0"/>
+      </a:lnRef>
+      <a:fillRef idx="1">
+        <a:scrgbClr r="0" g="0" b="0"/>
+      </a:fillRef>
+      <a:effectRef idx="0">
+        <a:scrgbClr r="0" g="0" b="0"/>
+      </a:effectRef>
+      <a:fontRef idx="minor"/>
+    </dgm:style>
+  </dgm:styleLbl>
+  <dgm:styleLbl name="asst0">
+    <dgm:scene3d>
+      <a:camera prst="orthographicFront"/>
+      <a:lightRig rig="threePt" dir="t"/>
+    </dgm:scene3d>
+    <dgm:sp3d/>
+    <dgm:txPr/>
+    <dgm:style>
+      <a:lnRef idx="2">
+        <a:scrgbClr r="0" g="0" b="0"/>
+      </a:lnRef>
+      <a:fillRef idx="1">
+        <a:scrgbClr r="0" g="0" b="0"/>
+      </a:fillRef>
+      <a:effectRef idx="0">
+        <a:scrgbClr r="0" g="0" b="0"/>
+      </a:effectRef>
+      <a:fontRef idx="minor">
+        <a:schemeClr val="lt1"/>
+      </a:fontRef>
+    </dgm:style>
+  </dgm:styleLbl>
+  <dgm:styleLbl name="asst1">
+    <dgm:scene3d>
+      <a:camera prst="orthographicFront"/>
+      <a:lightRig rig="threePt" dir="t"/>
+    </dgm:scene3d>
+    <dgm:sp3d/>
+    <dgm:txPr/>
+    <dgm:style>
+      <a:lnRef idx="2">
+        <a:scrgbClr r="0" g="0" b="0"/>
+      </a:lnRef>
+      <a:fillRef idx="1">
+        <a:scrgbClr r="0" g="0" b="0"/>
+      </a:fillRef>
+      <a:effectRef idx="0">
+        <a:scrgbClr r="0" g="0" b="0"/>
+      </a:effectRef>
+      <a:fontRef idx="minor">
+        <a:schemeClr val="lt1"/>
+      </a:fontRef>
+    </dgm:style>
+  </dgm:styleLbl>
+  <dgm:styleLbl name="asst2">
+    <dgm:scene3d>
+      <a:camera prst="orthographicFront"/>
+      <a:lightRig rig="threePt" dir="t"/>
+    </dgm:scene3d>
+    <dgm:sp3d/>
+    <dgm:txPr/>
+    <dgm:style>
+      <a:lnRef idx="2">
+        <a:scrgbClr r="0" g="0" b="0"/>
+      </a:lnRef>
+      <a:fillRef idx="1">
+        <a:scrgbClr r="0" g="0" b="0"/>
+      </a:fillRef>
+      <a:effectRef idx="0">
+        <a:scrgbClr r="0" g="0" b="0"/>
+      </a:effectRef>
+      <a:fontRef idx="minor">
+        <a:schemeClr val="lt1"/>
+      </a:fontRef>
+    </dgm:style>
+  </dgm:styleLbl>
+  <dgm:styleLbl name="asst3">
+    <dgm:scene3d>
+      <a:camera prst="orthographicFront"/>
+      <a:lightRig rig="threePt" dir="t"/>
+    </dgm:scene3d>
+    <dgm:sp3d/>
+    <dgm:txPr/>
+    <dgm:style>
+      <a:lnRef idx="2">
+        <a:scrgbClr r="0" g="0" b="0"/>
+      </a:lnRef>
+      <a:fillRef idx="1">
+        <a:scrgbClr r="0" g="0" b="0"/>
+      </a:fillRef>
+      <a:effectRef idx="0">
+        <a:scrgbClr r="0" g="0" b="0"/>
+      </a:effectRef>
+      <a:fontRef idx="minor">
+        <a:schemeClr val="lt1"/>
+      </a:fontRef>
+    </dgm:style>
+  </dgm:styleLbl>
+  <dgm:styleLbl name="asst4">
+    <dgm:scene3d>
+      <a:camera prst="orthographicFront"/>
+      <a:lightRig rig="threePt" dir="t"/>
+    </dgm:scene3d>
+    <dgm:sp3d/>
+    <dgm:txPr/>
+    <dgm:style>
+      <a:lnRef idx="2">
+        <a:scrgbClr r="0" g="0" b="0"/>
+      </a:lnRef>
+      <a:fillRef idx="1">
+        <a:scrgbClr r="0" g="0" b="0"/>
+      </a:fillRef>
+      <a:effectRef idx="0">
+        <a:scrgbClr r="0" g="0" b="0"/>
+      </a:effectRef>
+      <a:fontRef idx="minor">
+        <a:schemeClr val="lt1"/>
+      </a:fontRef>
+    </dgm:style>
+  </dgm:styleLbl>
+  <dgm:styleLbl name="parChTrans2D1">
+    <dgm:scene3d>
+      <a:camera prst="orthographicFront"/>
+      <a:lightRig rig="threePt" dir="t"/>
+    </dgm:scene3d>
+    <dgm:sp3d/>
+    <dgm:txPr/>
+    <dgm:style>
+      <a:lnRef idx="2">
+        <a:scrgbClr r="0" g="0" b="0"/>
+      </a:lnRef>
+      <a:fillRef idx="1">
+        <a:scrgbClr r="0" g="0" b="0"/>
+      </a:fillRef>
+      <a:effectRef idx="0">
+        <a:scrgbClr r="0" g="0" b="0"/>
+      </a:effectRef>
+      <a:fontRef idx="minor">
+        <a:schemeClr val="lt1"/>
+      </a:fontRef>
+    </dgm:style>
+  </dgm:styleLbl>
+  <dgm:styleLbl name="parChTrans2D2">
+    <dgm:scene3d>
+      <a:camera prst="orthographicFront"/>
+      <a:lightRig rig="threePt" dir="t"/>
+    </dgm:scene3d>
+    <dgm:sp3d/>
+    <dgm:txPr/>
+    <dgm:style>
+      <a:lnRef idx="2">
+        <a:scrgbClr r="0" g="0" b="0"/>
+      </a:lnRef>
+      <a:fillRef idx="1">
+        <a:scrgbClr r="0" g="0" b="0"/>
+      </a:fillRef>
+      <a:effectRef idx="0">
+        <a:scrgbClr r="0" g="0" b="0"/>
+      </a:effectRef>
+      <a:fontRef idx="minor">
+        <a:schemeClr val="lt1"/>
+      </a:fontRef>
+    </dgm:style>
+  </dgm:styleLbl>
+  <dgm:styleLbl name="parChTrans2D3">
+    <dgm:scene3d>
+      <a:camera prst="orthographicFront"/>
+      <a:lightRig rig="threePt" dir="t"/>
+    </dgm:scene3d>
+    <dgm:sp3d/>
+    <dgm:txPr/>
+    <dgm:style>
+      <a:lnRef idx="2">
+        <a:scrgbClr r="0" g="0" b="0"/>
+      </a:lnRef>
+      <a:fillRef idx="1">
+        <a:scrgbClr r="0" g="0" b="0"/>
+      </a:fillRef>
+      <a:effectRef idx="0">
+        <a:scrgbClr r="0" g="0" b="0"/>
+      </a:effectRef>
+      <a:fontRef idx="minor">
+        <a:schemeClr val="lt1"/>
+      </a:fontRef>
+    </dgm:style>
+  </dgm:styleLbl>
+  <dgm:styleLbl name="parChTrans2D4">
+    <dgm:scene3d>
+      <a:camera prst="orthographicFront"/>
+      <a:lightRig rig="threePt" dir="t"/>
+    </dgm:scene3d>
+    <dgm:sp3d/>
+    <dgm:txPr/>
+    <dgm:style>
+      <a:lnRef idx="2">
+        <a:scrgbClr r="0" g="0" b="0"/>
+      </a:lnRef>
+      <a:fillRef idx="1">
+        <a:scrgbClr r="0" g="0" b="0"/>
+      </a:fillRef>
+      <a:effectRef idx="0">
+        <a:scrgbClr r="0" g="0" b="0"/>
+      </a:effectRef>
+      <a:fontRef idx="minor">
+        <a:schemeClr val="lt1"/>
+      </a:fontRef>
+    </dgm:style>
+  </dgm:styleLbl>
+  <dgm:styleLbl name="parChTrans1D1">
+    <dgm:scene3d>
+      <a:camera prst="orthographicFront"/>
+      <a:lightRig rig="threePt" dir="t"/>
+    </dgm:scene3d>
+    <dgm:sp3d/>
+    <dgm:txPr/>
+    <dgm:style>
+      <a:lnRef idx="2">
+        <a:scrgbClr r="0" g="0" b="0"/>
+      </a:lnRef>
+      <a:fillRef idx="0">
+        <a:scrgbClr r="0" g="0" b="0"/>
+      </a:fillRef>
+      <a:effectRef idx="0">
+        <a:scrgbClr r="0" g="0" b="0"/>
+      </a:effectRef>
+      <a:fontRef idx="minor"/>
+    </dgm:style>
+  </dgm:styleLbl>
+  <dgm:styleLbl name="parChTrans1D2">
+    <dgm:scene3d>
+      <a:camera prst="orthographicFront"/>
+      <a:lightRig rig="threePt" dir="t"/>
+    </dgm:scene3d>
+    <dgm:sp3d/>
+    <dgm:txPr/>
+    <dgm:style>
+      <a:lnRef idx="2">
+        <a:scrgbClr r="0" g="0" b="0"/>
+      </a:lnRef>
+      <a:fillRef idx="0">
+        <a:scrgbClr r="0" g="0" b="0"/>
+      </a:fillRef>
+      <a:effectRef idx="0">
+        <a:scrgbClr r="0" g="0" b="0"/>
+      </a:effectRef>
+      <a:fontRef idx="minor"/>
+    </dgm:style>
+  </dgm:styleLbl>
+  <dgm:styleLbl name="parChTrans1D3">
+    <dgm:scene3d>
+      <a:camera prst="orthographicFront"/>
+      <a:lightRig rig="threePt" dir="t"/>
+    </dgm:scene3d>
+    <dgm:sp3d/>
+    <dgm:txPr/>
+    <dgm:style>
+      <a:lnRef idx="2">
+        <a:scrgbClr r="0" g="0" b="0"/>
+      </a:lnRef>
+      <a:fillRef idx="0">
+        <a:scrgbClr r="0" g="0" b="0"/>
+      </a:fillRef>
+      <a:effectRef idx="0">
+        <a:scrgbClr r="0" g="0" b="0"/>
+      </a:effectRef>
+      <a:fontRef idx="minor"/>
+    </dgm:style>
+  </dgm:styleLbl>
+  <dgm:styleLbl name="parChTrans1D4">
+    <dgm:scene3d>
+      <a:camera prst="orthographicFront"/>
+      <a:lightRig rig="threePt" dir="t"/>
+    </dgm:scene3d>
+    <dgm:sp3d/>
+    <dgm:txPr/>
+    <dgm:style>
+      <a:lnRef idx="2">
+        <a:scrgbClr r="0" g="0" b="0"/>
+      </a:lnRef>
+      <a:fillRef idx="0">
+        <a:scrgbClr r="0" g="0" b="0"/>
+      </a:fillRef>
+      <a:effectRef idx="0">
+        <a:scrgbClr r="0" g="0" b="0"/>
+      </a:effectRef>
+      <a:fontRef idx="minor"/>
+    </dgm:style>
+  </dgm:styleLbl>
+  <dgm:styleLbl name="fgAcc1">
+    <dgm:scene3d>
+      <a:camera prst="orthographicFront"/>
+      <a:lightRig rig="threePt" dir="t"/>
+    </dgm:scene3d>
+    <dgm:sp3d/>
+    <dgm:txPr/>
+    <dgm:style>
+      <a:lnRef idx="2">
+        <a:scrgbClr r="0" g="0" b="0"/>
+      </a:lnRef>
+      <a:fillRef idx="1">
+        <a:scrgbClr r="0" g="0" b="0"/>
+      </a:fillRef>
+      <a:effectRef idx="0">
+        <a:scrgbClr r="0" g="0" b="0"/>
+      </a:effectRef>
+      <a:fontRef idx="minor"/>
+    </dgm:style>
+  </dgm:styleLbl>
+  <dgm:styleLbl name="conFgAcc1">
+    <dgm:scene3d>
+      <a:camera prst="orthographicFront"/>
+      <a:lightRig rig="threePt" dir="t"/>
+    </dgm:scene3d>
+    <dgm:sp3d/>
+    <dgm:txPr/>
+    <dgm:style>
+      <a:lnRef idx="2">
+        <a:scrgbClr r="0" g="0" b="0"/>
+      </a:lnRef>
+      <a:fillRef idx="1">
+        <a:scrgbClr r="0" g="0" b="0"/>
+      </a:fillRef>
+      <a:effectRef idx="0">
+        <a:scrgbClr r="0" g="0" b="0"/>
+      </a:effectRef>
+      <a:fontRef idx="minor"/>
+    </dgm:style>
+  </dgm:styleLbl>
+  <dgm:styleLbl name="alignAcc1">
+    <dgm:scene3d>
+      <a:camera prst="orthographicFront"/>
+      <a:lightRig rig="threePt" dir="t"/>
+    </dgm:scene3d>
+    <dgm:sp3d/>
+    <dgm:txPr/>
+    <dgm:style>
+      <a:lnRef idx="2">
+        <a:scrgbClr r="0" g="0" b="0"/>
+      </a:lnRef>
+      <a:fillRef idx="1">
+        <a:scrgbClr r="0" g="0" b="0"/>
+      </a:fillRef>
+      <a:effectRef idx="0">
+        <a:scrgbClr r="0" g="0" b="0"/>
+      </a:effectRef>
+      <a:fontRef idx="minor"/>
+    </dgm:style>
+  </dgm:styleLbl>
+  <dgm:styleLbl name="trAlignAcc1">
+    <dgm:scene3d>
+      <a:camera prst="orthographicFront"/>
+      <a:lightRig rig="threePt" dir="t"/>
+    </dgm:scene3d>
+    <dgm:sp3d/>
+    <dgm:txPr/>
+    <dgm:style>
+      <a:lnRef idx="1">
+        <a:scrgbClr r="0" g="0" b="0"/>
+      </a:lnRef>
+      <a:fillRef idx="1">
+        <a:scrgbClr r="0" g="0" b="0"/>
+      </a:fillRef>
+      <a:effectRef idx="0">
+        <a:scrgbClr r="0" g="0" b="0"/>
+      </a:effectRef>
+      <a:fontRef idx="minor"/>
+    </dgm:style>
+  </dgm:styleLbl>
+  <dgm:styleLbl name="bgAcc1">
+    <dgm:scene3d>
+      <a:camera prst="orthographicFront"/>
+      <a:lightRig rig="threePt" dir="t"/>
+    </dgm:scene3d>
+    <dgm:sp3d/>
+    <dgm:txPr/>
+    <dgm:style>
+      <a:lnRef idx="2">
+        <a:scrgbClr r="0" g="0" b="0"/>
+      </a:lnRef>
+      <a:fillRef idx="1">
+        <a:scrgbClr r="0" g="0" b="0"/>
+      </a:fillRef>
+      <a:effectRef idx="0">
+        <a:scrgbClr r="0" g="0" b="0"/>
+      </a:effectRef>
+      <a:fontRef idx="minor"/>
+    </dgm:style>
+  </dgm:styleLbl>
+  <dgm:styleLbl name="solidFgAcc1">
+    <dgm:scene3d>
+      <a:camera prst="orthographicFront"/>
+      <a:lightRig rig="threePt" dir="t"/>
+    </dgm:scene3d>
+    <dgm:sp3d/>
+    <dgm:txPr/>
+    <dgm:style>
+      <a:lnRef idx="2">
+        <a:scrgbClr r="0" g="0" b="0"/>
+      </a:lnRef>
+      <a:fillRef idx="1">
+        <a:scrgbClr r="0" g="0" b="0"/>
+      </a:fillRef>
+      <a:effectRef idx="0">
+        <a:scrgbClr r="0" g="0" b="0"/>
+      </a:effectRef>
+      <a:fontRef idx="minor"/>
+    </dgm:style>
+  </dgm:styleLbl>
+  <dgm:styleLbl name="solidAlignAcc1">
+    <dgm:scene3d>
+      <a:camera prst="orthographicFront"/>
+      <a:lightRig rig="threePt" dir="t"/>
+    </dgm:scene3d>
+    <dgm:sp3d/>
+    <dgm:txPr/>
+    <dgm:style>
+      <a:lnRef idx="2">
+        <a:scrgbClr r="0" g="0" b="0"/>
+      </a:lnRef>
+      <a:fillRef idx="1">
+        <a:scrgbClr r="0" g="0" b="0"/>
+      </a:fillRef>
+      <a:effectRef idx="0">
+        <a:scrgbClr r="0" g="0" b="0"/>
+      </a:effectRef>
+      <a:fontRef idx="minor"/>
+    </dgm:style>
+  </dgm:styleLbl>
+  <dgm:styleLbl name="solidBgAcc1">
+    <dgm:scene3d>
+      <a:camera prst="orthographicFront"/>
+      <a:lightRig rig="threePt" dir="t"/>
+    </dgm:scene3d>
+    <dgm:sp3d/>
+    <dgm:txPr/>
+    <dgm:style>
+      <a:lnRef idx="2">
+        <a:scrgbClr r="0" g="0" b="0"/>
+      </a:lnRef>
+      <a:fillRef idx="1">
+        <a:scrgbClr r="0" g="0" b="0"/>
+      </a:fillRef>
+      <a:effectRef idx="0">
+        <a:scrgbClr r="0" g="0" b="0"/>
+      </a:effectRef>
+      <a:fontRef idx="minor"/>
+    </dgm:style>
+  </dgm:styleLbl>
+  <dgm:styleLbl name="fgAccFollowNode1">
+    <dgm:scene3d>
+      <a:camera prst="orthographicFront"/>
+      <a:lightRig rig="threePt" dir="t"/>
+    </dgm:scene3d>
+    <dgm:sp3d/>
+    <dgm:txPr/>
+    <dgm:style>
+      <a:lnRef idx="2">
+        <a:scrgbClr r="0" g="0" b="0"/>
+      </a:lnRef>
+      <a:fillRef idx="1">
+        <a:scrgbClr r="0" g="0" b="0"/>
+      </a:fillRef>
+      <a:effectRef idx="0">
+        <a:scrgbClr r="0" g="0" b="0"/>
+      </a:effectRef>
+      <a:fontRef idx="minor"/>
+    </dgm:style>
+  </dgm:styleLbl>
+  <dgm:styleLbl name="alignAccFollowNode1">
+    <dgm:scene3d>
+      <a:camera prst="orthographicFront"/>
+      <a:lightRig rig="threePt" dir="t"/>
+    </dgm:scene3d>
+    <dgm:sp3d/>
+    <dgm:txPr/>
+    <dgm:style>
+      <a:lnRef idx="2">
+        <a:scrgbClr r="0" g="0" b="0"/>
+      </a:lnRef>
+      <a:fillRef idx="1">
+        <a:scrgbClr r="0" g="0" b="0"/>
+      </a:fillRef>
+      <a:effectRef idx="0">
+        <a:scrgbClr r="0" g="0" b="0"/>
+      </a:effectRef>
+      <a:fontRef idx="minor"/>
+    </dgm:style>
+  </dgm:styleLbl>
+  <dgm:styleLbl name="bgAccFollowNode1">
+    <dgm:scene3d>
+      <a:camera prst="orthographicFront"/>
+      <a:lightRig rig="threePt" dir="t"/>
+    </dgm:scene3d>
+    <dgm:sp3d/>
+    <dgm:txPr/>
+    <dgm:style>
+      <a:lnRef idx="2">
+        <a:scrgbClr r="0" g="0" b="0"/>
+      </a:lnRef>
+      <a:fillRef idx="1">
+        <a:scrgbClr r="0" g="0" b="0"/>
+      </a:fillRef>
+      <a:effectRef idx="0">
+        <a:scrgbClr r="0" g="0" b="0"/>
+      </a:effectRef>
+      <a:fontRef idx="minor"/>
+    </dgm:style>
+  </dgm:styleLbl>
+  <dgm:styleLbl name="fgAcc0">
+    <dgm:scene3d>
+      <a:camera prst="orthographicFront"/>
+      <a:lightRig rig="threePt" dir="t"/>
+    </dgm:scene3d>
+    <dgm:sp3d/>
+    <dgm:txPr/>
+    <dgm:style>
+      <a:lnRef idx="2">
+        <a:scrgbClr r="0" g="0" b="0"/>
+      </a:lnRef>
+      <a:fillRef idx="1">
+        <a:scrgbClr r="0" g="0" b="0"/>
+      </a:fillRef>
+      <a:effectRef idx="0">
+        <a:scrgbClr r="0" g="0" b="0"/>
+      </a:effectRef>
+      <a:fontRef idx="minor"/>
+    </dgm:style>
+  </dgm:styleLbl>
+  <dgm:styleLbl name="fgAcc2">
+    <dgm:scene3d>
+      <a:camera prst="orthographicFront"/>
+      <a:lightRig rig="threePt" dir="t"/>
+    </dgm:scene3d>
+    <dgm:sp3d/>
+    <dgm:txPr/>
+    <dgm:style>
+      <a:lnRef idx="2">
+        <a:scrgbClr r="0" g="0" b="0"/>
+      </a:lnRef>
+      <a:fillRef idx="1">
+        <a:scrgbClr r="0" g="0" b="0"/>
+      </a:fillRef>
+      <a:effectRef idx="0">
+        <a:scrgbClr r="0" g="0" b="0"/>
+      </a:effectRef>
+      <a:fontRef idx="minor"/>
+    </dgm:style>
+  </dgm:styleLbl>
+  <dgm:styleLbl name="fgAcc3">
+    <dgm:scene3d>
+      <a:camera prst="orthographicFront"/>
+      <a:lightRig rig="threePt" dir="t"/>
+    </dgm:scene3d>
+    <dgm:sp3d/>
+    <dgm:txPr/>
+    <dgm:style>
+      <a:lnRef idx="2">
+        <a:scrgbClr r="0" g="0" b="0"/>
+      </a:lnRef>
+      <a:fillRef idx="1">
+        <a:scrgbClr r="0" g="0" b="0"/>
+      </a:fillRef>
+      <a:effectRef idx="0">
+        <a:scrgbClr r="0" g="0" b="0"/>
+      </a:effectRef>
+      <a:fontRef idx="minor"/>
+    </dgm:style>
+  </dgm:styleLbl>
+  <dgm:styleLbl name="fgAcc4">
+    <dgm:scene3d>
+      <a:camera prst="orthographicFront"/>
+      <a:lightRig rig="threePt" dir="t"/>
+    </dgm:scene3d>
+    <dgm:sp3d/>
+    <dgm:txPr/>
+    <dgm:style>
+      <a:lnRef idx="2">
+        <a:scrgbClr r="0" g="0" b="0"/>
+      </a:lnRef>
+      <a:fillRef idx="1">
+        <a:scrgbClr r="0" g="0" b="0"/>
+      </a:fillRef>
+      <a:effectRef idx="0">
+        <a:scrgbClr r="0" g="0" b="0"/>
+      </a:effectRef>
+      <a:fontRef idx="minor"/>
+    </dgm:style>
+  </dgm:styleLbl>
+  <dgm:styleLbl name="bgShp">
+    <dgm:scene3d>
+      <a:camera prst="orthographicFront"/>
+      <a:lightRig rig="threePt" dir="t"/>
+    </dgm:scene3d>
+    <dgm:sp3d/>
+    <dgm:txPr/>
+    <dgm:style>
+      <a:lnRef idx="0">
+        <a:scrgbClr r="0" g="0" b="0"/>
+      </a:lnRef>
+      <a:fillRef idx="1">
+        <a:scrgbClr r="0" g="0" b="0"/>
+      </a:fillRef>
+      <a:effectRef idx="0">
+        <a:scrgbClr r="0" g="0" b="0"/>
+      </a:effectRef>
+      <a:fontRef idx="minor"/>
+    </dgm:style>
+  </dgm:styleLbl>
+  <dgm:styleLbl name="dkBgShp">
+    <dgm:scene3d>
+      <a:camera prst="orthographicFront"/>
+      <a:lightRig rig="threePt" dir="t"/>
+    </dgm:scene3d>
+    <dgm:sp3d/>
+    <dgm:txPr/>
+    <dgm:style>
+      <a:lnRef idx="0">
+        <a:scrgbClr r="0" g="0" b="0"/>
+      </a:lnRef>
+      <a:fillRef idx="1">
+        <a:scrgbClr r="0" g="0" b="0"/>
+      </a:fillRef>
+      <a:effectRef idx="0">
+        <a:scrgbClr r="0" g="0" b="0"/>
+      </a:effectRef>
+      <a:fontRef idx="minor"/>
+    </dgm:style>
+  </dgm:styleLbl>
+  <dgm:styleLbl name="trBgShp">
+    <dgm:scene3d>
+      <a:camera prst="orthographicFront"/>
+      <a:lightRig rig="threePt" dir="t"/>
+    </dgm:scene3d>
+    <dgm:sp3d/>
+    <dgm:txPr/>
+    <dgm:style>
+      <a:lnRef idx="0">
+        <a:scrgbClr r="0" g="0" b="0"/>
+      </a:lnRef>
+      <a:fillRef idx="1">
+        <a:scrgbClr r="0" g="0" b="0"/>
+      </a:fillRef>
+      <a:effectRef idx="0">
+        <a:scrgbClr r="0" g="0" b="0"/>
+      </a:effectRef>
+      <a:fontRef idx="minor"/>
+    </dgm:style>
+  </dgm:styleLbl>
+  <dgm:styleLbl name="fgShp">
+    <dgm:scene3d>
+      <a:camera prst="orthographicFront"/>
+      <a:lightRig rig="threePt" dir="t"/>
+    </dgm:scene3d>
+    <dgm:sp3d/>
+    <dgm:txPr/>
+    <dgm:style>
+      <a:lnRef idx="2">
+        <a:scrgbClr r="0" g="0" b="0"/>
+      </a:lnRef>
+      <a:fillRef idx="1">
+        <a:scrgbClr r="0" g="0" b="0"/>
+      </a:fillRef>
+      <a:effectRef idx="0">
+        <a:scrgbClr r="0" g="0" b="0"/>
+      </a:effectRef>
+      <a:fontRef idx="minor"/>
+    </dgm:style>
+  </dgm:styleLbl>
+  <dgm:styleLbl name="revTx">
+    <dgm:scene3d>
+      <a:camera prst="orthographicFront"/>
+      <a:lightRig rig="threePt" dir="t"/>
+    </dgm:scene3d>
+    <dgm:sp3d/>
+    <dgm:txPr/>
+    <dgm:style>
+      <a:lnRef idx="0">
+        <a:scrgbClr r="0" g="0" b="0"/>
+      </a:lnRef>
+      <a:fillRef idx="0">
+        <a:scrgbClr r="0" g="0" b="0"/>
+      </a:fillRef>
+      <a:effectRef idx="0">
+        <a:scrgbClr r="0" g="0" b="0"/>
+      </a:effectRef>
+      <a:fontRef idx="minor"/>
+    </dgm:style>
+  </dgm:styleLbl>
+</dgm:styleDef>
+</file>
+
 <file path=ppt/notesMasters/notesMaster1.xml><?xml version="1.0" encoding="utf-8"?>
 <p:notesMaster xmlns:a="http://schemas.openxmlformats.org/drawingml/2006/main" xmlns:r="http://schemas.openxmlformats.org/officeDocument/2006/relationships" xmlns:p="http://schemas.openxmlformats.org/presentationml/2006/main">
   <p:cSld>
@@ -202,7 +2611,7 @@
           <a:p>
             <a:fld id="{82604E9E-60DE-417E-849E-2CDE7F357628}" type="datetimeFigureOut">
               <a:rPr lang="en-US" smtClean="0"/>
-              <a:t>7/27/2017</a:t>
+              <a:t>7/30/2017</a:t>
             </a:fld>
             <a:endParaRPr lang="en-US"/>
           </a:p>
@@ -554,6 +2963,387 @@
 </p:notes>
 </file>
 
+<file path=ppt/notesSlides/notesSlide2.xml><?xml version="1.0" encoding="utf-8"?>
+<p:notes xmlns:a="http://schemas.openxmlformats.org/drawingml/2006/main" xmlns:r="http://schemas.openxmlformats.org/officeDocument/2006/relationships" xmlns:p="http://schemas.openxmlformats.org/presentationml/2006/main">
+  <p:cSld>
+    <p:spTree>
+      <p:nvGrpSpPr>
+        <p:cNvPr id="1" name=""/>
+        <p:cNvGrpSpPr/>
+        <p:nvPr/>
+      </p:nvGrpSpPr>
+      <p:grpSpPr>
+        <a:xfrm>
+          <a:off x="0" y="0"/>
+          <a:ext cx="0" cy="0"/>
+          <a:chOff x="0" y="0"/>
+          <a:chExt cx="0" cy="0"/>
+        </a:xfrm>
+      </p:grpSpPr>
+      <p:sp>
+        <p:nvSpPr>
+          <p:cNvPr id="2" name="슬라이드 이미지 개체 틀 1"/>
+          <p:cNvSpPr>
+            <a:spLocks noGrp="1" noRot="1" noChangeAspect="1"/>
+          </p:cNvSpPr>
+          <p:nvPr>
+            <p:ph type="sldImg"/>
+          </p:nvPr>
+        </p:nvSpPr>
+        <p:spPr/>
+      </p:sp>
+      <p:sp>
+        <p:nvSpPr>
+          <p:cNvPr id="3" name="슬라이드 노트 개체 틀 2"/>
+          <p:cNvSpPr>
+            <a:spLocks noGrp="1"/>
+          </p:cNvSpPr>
+          <p:nvPr>
+            <p:ph type="body" idx="1"/>
+          </p:nvPr>
+        </p:nvSpPr>
+        <p:spPr/>
+        <p:txBody>
+          <a:bodyPr/>
+          <a:lstStyle/>
+          <a:p>
+            <a:endParaRPr lang="en-US" dirty="0"/>
+          </a:p>
+        </p:txBody>
+      </p:sp>
+      <p:sp>
+        <p:nvSpPr>
+          <p:cNvPr id="4" name="슬라이드 번호 개체 틀 3"/>
+          <p:cNvSpPr>
+            <a:spLocks noGrp="1"/>
+          </p:cNvSpPr>
+          <p:nvPr>
+            <p:ph type="sldNum" sz="quarter" idx="10"/>
+          </p:nvPr>
+        </p:nvSpPr>
+        <p:spPr/>
+        <p:txBody>
+          <a:bodyPr/>
+          <a:lstStyle/>
+          <a:p>
+            <a:fld id="{772745C2-B5F1-4B10-8C0E-DEBCE2EB7236}" type="slidenum">
+              <a:rPr lang="en-US" smtClean="0"/>
+              <a:t>2</a:t>
+            </a:fld>
+            <a:endParaRPr lang="en-US"/>
+          </a:p>
+        </p:txBody>
+      </p:sp>
+    </p:spTree>
+    <p:extLst>
+      <p:ext uri="{BB962C8B-B14F-4D97-AF65-F5344CB8AC3E}">
+        <p14:creationId xmlns:p14="http://schemas.microsoft.com/office/powerpoint/2010/main" val="4154531383"/>
+      </p:ext>
+    </p:extLst>
+  </p:cSld>
+  <p:clrMapOvr>
+    <a:masterClrMapping/>
+  </p:clrMapOvr>
+</p:notes>
+</file>
+
+<file path=ppt/notesSlides/notesSlide3.xml><?xml version="1.0" encoding="utf-8"?>
+<p:notes xmlns:a="http://schemas.openxmlformats.org/drawingml/2006/main" xmlns:r="http://schemas.openxmlformats.org/officeDocument/2006/relationships" xmlns:p="http://schemas.openxmlformats.org/presentationml/2006/main">
+  <p:cSld>
+    <p:spTree>
+      <p:nvGrpSpPr>
+        <p:cNvPr id="1" name=""/>
+        <p:cNvGrpSpPr/>
+        <p:nvPr/>
+      </p:nvGrpSpPr>
+      <p:grpSpPr>
+        <a:xfrm>
+          <a:off x="0" y="0"/>
+          <a:ext cx="0" cy="0"/>
+          <a:chOff x="0" y="0"/>
+          <a:chExt cx="0" cy="0"/>
+        </a:xfrm>
+      </p:grpSpPr>
+      <p:sp>
+        <p:nvSpPr>
+          <p:cNvPr id="2" name="슬라이드 이미지 개체 틀 1"/>
+          <p:cNvSpPr>
+            <a:spLocks noGrp="1" noRot="1" noChangeAspect="1"/>
+          </p:cNvSpPr>
+          <p:nvPr>
+            <p:ph type="sldImg"/>
+          </p:nvPr>
+        </p:nvSpPr>
+        <p:spPr/>
+      </p:sp>
+      <p:sp>
+        <p:nvSpPr>
+          <p:cNvPr id="3" name="슬라이드 노트 개체 틀 2"/>
+          <p:cNvSpPr>
+            <a:spLocks noGrp="1"/>
+          </p:cNvSpPr>
+          <p:nvPr>
+            <p:ph type="body" idx="1"/>
+          </p:nvPr>
+        </p:nvSpPr>
+        <p:spPr/>
+        <p:txBody>
+          <a:bodyPr/>
+          <a:lstStyle/>
+          <a:p>
+            <a:endParaRPr lang="en-US" dirty="0"/>
+          </a:p>
+        </p:txBody>
+      </p:sp>
+      <p:sp>
+        <p:nvSpPr>
+          <p:cNvPr id="4" name="슬라이드 번호 개체 틀 3"/>
+          <p:cNvSpPr>
+            <a:spLocks noGrp="1"/>
+          </p:cNvSpPr>
+          <p:nvPr>
+            <p:ph type="sldNum" sz="quarter" idx="10"/>
+          </p:nvPr>
+        </p:nvSpPr>
+        <p:spPr/>
+        <p:txBody>
+          <a:bodyPr/>
+          <a:lstStyle/>
+          <a:p>
+            <a:fld id="{772745C2-B5F1-4B10-8C0E-DEBCE2EB7236}" type="slidenum">
+              <a:rPr lang="en-US" smtClean="0"/>
+              <a:t>3</a:t>
+            </a:fld>
+            <a:endParaRPr lang="en-US"/>
+          </a:p>
+        </p:txBody>
+      </p:sp>
+    </p:spTree>
+    <p:extLst>
+      <p:ext uri="{BB962C8B-B14F-4D97-AF65-F5344CB8AC3E}">
+        <p14:creationId xmlns:p14="http://schemas.microsoft.com/office/powerpoint/2010/main" val="998704824"/>
+      </p:ext>
+    </p:extLst>
+  </p:cSld>
+  <p:clrMapOvr>
+    <a:masterClrMapping/>
+  </p:clrMapOvr>
+</p:notes>
+</file>
+
+<file path=ppt/notesSlides/notesSlide4.xml><?xml version="1.0" encoding="utf-8"?>
+<p:notes xmlns:a="http://schemas.openxmlformats.org/drawingml/2006/main" xmlns:r="http://schemas.openxmlformats.org/officeDocument/2006/relationships" xmlns:p="http://schemas.openxmlformats.org/presentationml/2006/main">
+  <p:cSld>
+    <p:spTree>
+      <p:nvGrpSpPr>
+        <p:cNvPr id="1" name=""/>
+        <p:cNvGrpSpPr/>
+        <p:nvPr/>
+      </p:nvGrpSpPr>
+      <p:grpSpPr>
+        <a:xfrm>
+          <a:off x="0" y="0"/>
+          <a:ext cx="0" cy="0"/>
+          <a:chOff x="0" y="0"/>
+          <a:chExt cx="0" cy="0"/>
+        </a:xfrm>
+      </p:grpSpPr>
+      <p:sp>
+        <p:nvSpPr>
+          <p:cNvPr id="2" name="슬라이드 이미지 개체 틀 1"/>
+          <p:cNvSpPr>
+            <a:spLocks noGrp="1" noRot="1" noChangeAspect="1"/>
+          </p:cNvSpPr>
+          <p:nvPr>
+            <p:ph type="sldImg"/>
+          </p:nvPr>
+        </p:nvSpPr>
+        <p:spPr/>
+      </p:sp>
+      <p:sp>
+        <p:nvSpPr>
+          <p:cNvPr id="3" name="슬라이드 노트 개체 틀 2"/>
+          <p:cNvSpPr>
+            <a:spLocks noGrp="1"/>
+          </p:cNvSpPr>
+          <p:nvPr>
+            <p:ph type="body" idx="1"/>
+          </p:nvPr>
+        </p:nvSpPr>
+        <p:spPr/>
+        <p:txBody>
+          <a:bodyPr/>
+          <a:lstStyle/>
+          <a:p>
+            <a:r>
+              <a:rPr lang="en-GB" dirty="0"/>
+              <a:t>Open </a:t>
+            </a:r>
+            <a:r>
+              <a:rPr lang="en-GB" dirty="0" err="1"/>
+              <a:t>app.json</a:t>
+            </a:r>
+            <a:endParaRPr lang="en-GB" dirty="0"/>
+          </a:p>
+          <a:p>
+            <a:r>
+              <a:rPr lang="en-GB" dirty="0"/>
+              <a:t>Get api.ai token</a:t>
+            </a:r>
+          </a:p>
+          <a:p>
+            <a:r>
+              <a:rPr lang="en-GB" dirty="0"/>
+              <a:t>Get Facebook token – already got at 1-3</a:t>
+            </a:r>
+          </a:p>
+          <a:p>
+            <a:r>
+              <a:rPr lang="en-GB" dirty="0"/>
+              <a:t>Set config variables in Heroku</a:t>
+            </a:r>
+          </a:p>
+          <a:p>
+            <a:pPr marL="0" indent="0">
+              <a:buNone/>
+            </a:pPr>
+            <a:endParaRPr lang="en-US" dirty="0"/>
+          </a:p>
+          <a:p>
+            <a:endParaRPr lang="en-US" dirty="0"/>
+          </a:p>
+        </p:txBody>
+      </p:sp>
+      <p:sp>
+        <p:nvSpPr>
+          <p:cNvPr id="4" name="슬라이드 번호 개체 틀 3"/>
+          <p:cNvSpPr>
+            <a:spLocks noGrp="1"/>
+          </p:cNvSpPr>
+          <p:nvPr>
+            <p:ph type="sldNum" sz="quarter" idx="10"/>
+          </p:nvPr>
+        </p:nvSpPr>
+        <p:spPr/>
+        <p:txBody>
+          <a:bodyPr/>
+          <a:lstStyle/>
+          <a:p>
+            <a:fld id="{772745C2-B5F1-4B10-8C0E-DEBCE2EB7236}" type="slidenum">
+              <a:rPr lang="en-US" smtClean="0"/>
+              <a:t>4</a:t>
+            </a:fld>
+            <a:endParaRPr lang="en-US"/>
+          </a:p>
+        </p:txBody>
+      </p:sp>
+    </p:spTree>
+    <p:extLst>
+      <p:ext uri="{BB962C8B-B14F-4D97-AF65-F5344CB8AC3E}">
+        <p14:creationId xmlns:p14="http://schemas.microsoft.com/office/powerpoint/2010/main" val="2633271114"/>
+      </p:ext>
+    </p:extLst>
+  </p:cSld>
+  <p:clrMapOvr>
+    <a:masterClrMapping/>
+  </p:clrMapOvr>
+</p:notes>
+</file>
+
+<file path=ppt/notesSlides/notesSlide5.xml><?xml version="1.0" encoding="utf-8"?>
+<p:notes xmlns:a="http://schemas.openxmlformats.org/drawingml/2006/main" xmlns:r="http://schemas.openxmlformats.org/officeDocument/2006/relationships" xmlns:p="http://schemas.openxmlformats.org/presentationml/2006/main">
+  <p:cSld>
+    <p:spTree>
+      <p:nvGrpSpPr>
+        <p:cNvPr id="1" name=""/>
+        <p:cNvGrpSpPr/>
+        <p:nvPr/>
+      </p:nvGrpSpPr>
+      <p:grpSpPr>
+        <a:xfrm>
+          <a:off x="0" y="0"/>
+          <a:ext cx="0" cy="0"/>
+          <a:chOff x="0" y="0"/>
+          <a:chExt cx="0" cy="0"/>
+        </a:xfrm>
+      </p:grpSpPr>
+      <p:sp>
+        <p:nvSpPr>
+          <p:cNvPr id="2" name="슬라이드 이미지 개체 틀 1"/>
+          <p:cNvSpPr>
+            <a:spLocks noGrp="1" noRot="1" noChangeAspect="1"/>
+          </p:cNvSpPr>
+          <p:nvPr>
+            <p:ph type="sldImg"/>
+          </p:nvPr>
+        </p:nvSpPr>
+        <p:spPr/>
+      </p:sp>
+      <p:sp>
+        <p:nvSpPr>
+          <p:cNvPr id="3" name="슬라이드 노트 개체 틀 2"/>
+          <p:cNvSpPr>
+            <a:spLocks noGrp="1"/>
+          </p:cNvSpPr>
+          <p:nvPr>
+            <p:ph type="body" idx="1"/>
+          </p:nvPr>
+        </p:nvSpPr>
+        <p:spPr/>
+        <p:txBody>
+          <a:bodyPr/>
+          <a:lstStyle/>
+          <a:p>
+            <a:r>
+              <a:rPr lang="en-GB" dirty="0"/>
+              <a:t>API.AI, Facebook page, Heroku server</a:t>
+            </a:r>
+          </a:p>
+          <a:p>
+            <a:r>
+              <a:rPr lang="en-GB" dirty="0"/>
+              <a:t>are connected with token verify</a:t>
+            </a:r>
+            <a:endParaRPr lang="en-US" dirty="0"/>
+          </a:p>
+        </p:txBody>
+      </p:sp>
+      <p:sp>
+        <p:nvSpPr>
+          <p:cNvPr id="4" name="슬라이드 번호 개체 틀 3"/>
+          <p:cNvSpPr>
+            <a:spLocks noGrp="1"/>
+          </p:cNvSpPr>
+          <p:nvPr>
+            <p:ph type="sldNum" sz="quarter" idx="10"/>
+          </p:nvPr>
+        </p:nvSpPr>
+        <p:spPr/>
+        <p:txBody>
+          <a:bodyPr/>
+          <a:lstStyle/>
+          <a:p>
+            <a:fld id="{772745C2-B5F1-4B10-8C0E-DEBCE2EB7236}" type="slidenum">
+              <a:rPr lang="en-US" smtClean="0"/>
+              <a:t>5</a:t>
+            </a:fld>
+            <a:endParaRPr lang="en-US"/>
+          </a:p>
+        </p:txBody>
+      </p:sp>
+    </p:spTree>
+    <p:extLst>
+      <p:ext uri="{BB962C8B-B14F-4D97-AF65-F5344CB8AC3E}">
+        <p14:creationId xmlns:p14="http://schemas.microsoft.com/office/powerpoint/2010/main" val="1280346571"/>
+      </p:ext>
+    </p:extLst>
+  </p:cSld>
+  <p:clrMapOvr>
+    <a:masterClrMapping/>
+  </p:clrMapOvr>
+</p:notes>
+</file>
+
 <file path=ppt/slideLayouts/slideLayout1.xml><?xml version="1.0" encoding="utf-8"?>
 <p:sldLayout xmlns:a="http://schemas.openxmlformats.org/drawingml/2006/main" xmlns:r="http://schemas.openxmlformats.org/officeDocument/2006/relationships" xmlns:p="http://schemas.openxmlformats.org/presentationml/2006/main" type="title" preserve="1">
   <p:cSld name="제목 슬라이드">
@@ -717,7 +3507,7 @@
           <a:p>
             <a:fld id="{0D913C1F-5111-45C8-8646-4E60C4FCFD33}" type="datetime1">
               <a:rPr lang="en-US" smtClean="0"/>
-              <a:t>7/27/2017</a:t>
+              <a:t>7/30/2017</a:t>
             </a:fld>
             <a:endParaRPr lang="en-US"/>
           </a:p>
@@ -892,7 +3682,7 @@
           <a:p>
             <a:fld id="{D3A57730-C926-45F0-9361-C8E6CC7EFAB1}" type="datetime1">
               <a:rPr lang="en-US" smtClean="0"/>
-              <a:t>7/27/2017</a:t>
+              <a:t>7/30/2017</a:t>
             </a:fld>
             <a:endParaRPr lang="en-US"/>
           </a:p>
@@ -1072,7 +3862,7 @@
           <a:p>
             <a:fld id="{72F94769-6EA4-484E-8E33-A5D2CCD7F3B4}" type="datetime1">
               <a:rPr lang="en-US" smtClean="0"/>
-              <a:t>7/27/2017</a:t>
+              <a:t>7/30/2017</a:t>
             </a:fld>
             <a:endParaRPr lang="en-US"/>
           </a:p>
@@ -1242,7 +4032,7 @@
           <a:p>
             <a:fld id="{875CDD8C-CF5A-4DB3-98F8-3A2639B39FE9}" type="datetime1">
               <a:rPr lang="en-US" smtClean="0"/>
-              <a:t>7/27/2017</a:t>
+              <a:t>7/30/2017</a:t>
             </a:fld>
             <a:endParaRPr lang="en-US"/>
           </a:p>
@@ -1510,7 +4300,7 @@
           <a:p>
             <a:fld id="{73567B6B-69B5-4721-8DDE-4EEC9B6DCE0D}" type="datetime1">
               <a:rPr lang="en-US" smtClean="0"/>
-              <a:t>7/27/2017</a:t>
+              <a:t>7/30/2017</a:t>
             </a:fld>
             <a:endParaRPr lang="en-US"/>
           </a:p>
@@ -1742,7 +4532,7 @@
           <a:p>
             <a:fld id="{98DD2B97-22CE-4922-9B75-1DD88489AFD6}" type="datetime1">
               <a:rPr lang="en-US" smtClean="0"/>
-              <a:t>7/27/2017</a:t>
+              <a:t>7/30/2017</a:t>
             </a:fld>
             <a:endParaRPr lang="en-US"/>
           </a:p>
@@ -2101,7 +4891,7 @@
           <a:p>
             <a:fld id="{71335CB9-B160-4C99-9B3C-64E62B2B8AA1}" type="datetime1">
               <a:rPr lang="en-US" smtClean="0"/>
-              <a:t>7/27/2017</a:t>
+              <a:t>7/30/2017</a:t>
             </a:fld>
             <a:endParaRPr lang="en-US"/>
           </a:p>
@@ -2242,7 +5032,7 @@
           <a:p>
             <a:fld id="{AB5FD2A9-980D-4792-8107-6837CF22CACC}" type="datetime1">
               <a:rPr lang="en-US" smtClean="0"/>
-              <a:t>7/27/2017</a:t>
+              <a:t>7/30/2017</a:t>
             </a:fld>
             <a:endParaRPr lang="en-US"/>
           </a:p>
@@ -2337,7 +5127,7 @@
           <a:p>
             <a:fld id="{AE49ADA3-5F6C-44F2-923F-B96DDB41268F}" type="datetime1">
               <a:rPr lang="en-US" smtClean="0"/>
-              <a:t>7/27/2017</a:t>
+              <a:t>7/30/2017</a:t>
             </a:fld>
             <a:endParaRPr lang="en-US"/>
           </a:p>
@@ -2694,7 +5484,7 @@
           <a:p>
             <a:fld id="{CD641920-CFA1-454E-AD47-3EEEB5605BD0}" type="datetime1">
               <a:rPr lang="en-US" smtClean="0"/>
-              <a:t>7/27/2017</a:t>
+              <a:t>7/30/2017</a:t>
             </a:fld>
             <a:endParaRPr lang="en-US"/>
           </a:p>
@@ -3051,7 +5841,7 @@
           <a:p>
             <a:fld id="{F3A5C466-8A77-4A43-A9E6-B875AC354BDD}" type="datetime1">
               <a:rPr lang="en-US" smtClean="0"/>
-              <a:t>7/27/2017</a:t>
+              <a:t>7/30/2017</a:t>
             </a:fld>
             <a:endParaRPr lang="en-US"/>
           </a:p>
@@ -3292,7 +6082,7 @@
           <a:p>
             <a:fld id="{8C1F079E-EE37-4F70-8A6F-71D0624FBE44}" type="datetime1">
               <a:rPr lang="en-US" smtClean="0"/>
-              <a:t>7/27/2017</a:t>
+              <a:t>7/30/2017</a:t>
             </a:fld>
             <a:endParaRPr lang="en-US"/>
           </a:p>
@@ -3917,7 +6707,10 @@
           <a:bodyPr/>
           <a:lstStyle/>
           <a:p>
-            <a:endParaRPr lang="en-US"/>
+            <a:r>
+              <a:rPr lang="en-US" dirty="0"/>
+              <a:t>Check Source Code </a:t>
+            </a:r>
           </a:p>
         </p:txBody>
       </p:sp>
@@ -3937,12 +6730,28 @@
             <p:ph idx="1"/>
           </p:nvPr>
         </p:nvSpPr>
-        <p:spPr/>
+        <p:spPr>
+          <a:xfrm>
+            <a:off x="2231136" y="2638044"/>
+            <a:ext cx="3901440" cy="3101983"/>
+          </a:xfrm>
+        </p:spPr>
         <p:txBody>
           <a:bodyPr/>
           <a:lstStyle/>
           <a:p>
-            <a:endParaRPr lang="en-US"/>
+            <a:r>
+              <a:rPr lang="en-US" dirty="0"/>
+              <a:t>Downloaded from </a:t>
+            </a:r>
+            <a:r>
+              <a:rPr lang="en-US" dirty="0" err="1"/>
+              <a:t>api-ai</a:t>
+            </a:r>
+            <a:endParaRPr lang="en-US" dirty="0"/>
+          </a:p>
+          <a:p>
+            <a:endParaRPr lang="en-US" dirty="0"/>
           </a:p>
         </p:txBody>
       </p:sp>
@@ -3975,10 +6784,1464 @@
           </a:p>
         </p:txBody>
       </p:sp>
+      <p:pic>
+        <p:nvPicPr>
+          <p:cNvPr id="6" name="그림 5">
+            <a:extLst>
+              <a:ext uri="{FF2B5EF4-FFF2-40B4-BE49-F238E27FC236}">
+                <a16:creationId xmlns:a16="http://schemas.microsoft.com/office/drawing/2014/main" id="{2AFFFF5A-7627-4615-AF85-1C66B001CFE8}"/>
+              </a:ext>
+            </a:extLst>
+          </p:cNvPr>
+          <p:cNvPicPr>
+            <a:picLocks noChangeAspect="1"/>
+          </p:cNvPicPr>
+          <p:nvPr/>
+        </p:nvPicPr>
+        <p:blipFill>
+          <a:blip r:embed="rId3"/>
+          <a:stretch>
+            <a:fillRect/>
+          </a:stretch>
+        </p:blipFill>
+        <p:spPr>
+          <a:xfrm>
+            <a:off x="5236283" y="2475452"/>
+            <a:ext cx="4724581" cy="3925348"/>
+          </a:xfrm>
+          <a:prstGeom prst="rect">
+            <a:avLst/>
+          </a:prstGeom>
+        </p:spPr>
+      </p:pic>
     </p:spTree>
     <p:extLst>
       <p:ext uri="{BB962C8B-B14F-4D97-AF65-F5344CB8AC3E}">
         <p14:creationId xmlns:p14="http://schemas.microsoft.com/office/powerpoint/2010/main" val="1091391866"/>
+      </p:ext>
+    </p:extLst>
+  </p:cSld>
+  <p:clrMapOvr>
+    <a:masterClrMapping/>
+  </p:clrMapOvr>
+</p:sld>
+</file>
+
+<file path=ppt/slides/slide3.xml><?xml version="1.0" encoding="utf-8"?>
+<p:sld xmlns:a="http://schemas.openxmlformats.org/drawingml/2006/main" xmlns:r="http://schemas.openxmlformats.org/officeDocument/2006/relationships" xmlns:p="http://schemas.openxmlformats.org/presentationml/2006/main">
+  <p:cSld>
+    <p:bg>
+      <p:bgPr>
+        <a:solidFill>
+          <a:schemeClr val="bg1">
+            <a:lumMod val="95000"/>
+          </a:schemeClr>
+        </a:solidFill>
+        <a:effectLst/>
+      </p:bgPr>
+    </p:bg>
+    <p:spTree>
+      <p:nvGrpSpPr>
+        <p:cNvPr id="1" name=""/>
+        <p:cNvGrpSpPr/>
+        <p:nvPr/>
+      </p:nvGrpSpPr>
+      <p:grpSpPr>
+        <a:xfrm>
+          <a:off x="0" y="0"/>
+          <a:ext cx="0" cy="0"/>
+          <a:chOff x="0" y="0"/>
+          <a:chExt cx="0" cy="0"/>
+        </a:xfrm>
+      </p:grpSpPr>
+      <p:sp>
+        <p:nvSpPr>
+          <p:cNvPr id="2" name="제목 1">
+            <a:extLst>
+              <a:ext uri="{FF2B5EF4-FFF2-40B4-BE49-F238E27FC236}">
+                <a16:creationId xmlns:a16="http://schemas.microsoft.com/office/drawing/2014/main" id="{D4CE2BFB-E2CA-4934-833F-8C5F33741620}"/>
+              </a:ext>
+            </a:extLst>
+          </p:cNvPr>
+          <p:cNvSpPr>
+            <a:spLocks noGrp="1"/>
+          </p:cNvSpPr>
+          <p:nvPr>
+            <p:ph type="title"/>
+          </p:nvPr>
+        </p:nvSpPr>
+        <p:spPr>
+          <a:xfrm>
+            <a:off x="2231136" y="964692"/>
+            <a:ext cx="7729728" cy="1188720"/>
+          </a:xfrm>
+        </p:spPr>
+        <p:txBody>
+          <a:bodyPr>
+            <a:normAutofit/>
+          </a:bodyPr>
+          <a:lstStyle/>
+          <a:p>
+            <a:r>
+              <a:rPr lang="en-US" dirty="0"/>
+              <a:t>Push Code to Server</a:t>
+            </a:r>
+          </a:p>
+        </p:txBody>
+      </p:sp>
+      <p:graphicFrame>
+        <p:nvGraphicFramePr>
+          <p:cNvPr id="6" name="내용 개체 틀 2"/>
+          <p:cNvGraphicFramePr>
+            <a:graphicFrameLocks noGrp="1"/>
+          </p:cNvGraphicFramePr>
+          <p:nvPr>
+            <p:ph idx="1"/>
+            <p:extLst>
+              <p:ext uri="{D42A27DB-BD31-4B8C-83A1-F6EECF244321}">
+                <p14:modId xmlns:p14="http://schemas.microsoft.com/office/powerpoint/2010/main" val="1285891497"/>
+              </p:ext>
+            </p:extLst>
+          </p:nvPr>
+        </p:nvGraphicFramePr>
+        <p:xfrm>
+          <a:off x="965201" y="2638425"/>
+          <a:ext cx="10261600" cy="3101975"/>
+        </p:xfrm>
+        <a:graphic>
+          <a:graphicData uri="http://schemas.openxmlformats.org/drawingml/2006/diagram">
+            <dgm:relIds xmlns:dgm="http://schemas.openxmlformats.org/drawingml/2006/diagram" xmlns:r="http://schemas.openxmlformats.org/officeDocument/2006/relationships" r:dm="rId3" r:lo="rId4" r:qs="rId5" r:cs="rId6"/>
+          </a:graphicData>
+        </a:graphic>
+      </p:graphicFrame>
+      <p:sp>
+        <p:nvSpPr>
+          <p:cNvPr id="4" name="슬라이드 번호 개체 틀 3">
+            <a:extLst>
+              <a:ext uri="{FF2B5EF4-FFF2-40B4-BE49-F238E27FC236}">
+                <a16:creationId xmlns:a16="http://schemas.microsoft.com/office/drawing/2014/main" id="{AAFF09AC-5302-497C-8639-FB430B6391C3}"/>
+              </a:ext>
+            </a:extLst>
+          </p:cNvPr>
+          <p:cNvSpPr>
+            <a:spLocks noGrp="1"/>
+          </p:cNvSpPr>
+          <p:nvPr>
+            <p:ph type="sldNum" sz="quarter" idx="12"/>
+          </p:nvPr>
+        </p:nvSpPr>
+        <p:spPr>
+          <a:xfrm>
+            <a:off x="10758922" y="6217920"/>
+            <a:ext cx="365760" cy="365760"/>
+          </a:xfrm>
+        </p:spPr>
+        <p:txBody>
+          <a:bodyPr>
+            <a:normAutofit/>
+          </a:bodyPr>
+          <a:lstStyle/>
+          <a:p>
+            <a:pPr>
+              <a:lnSpc>
+                <a:spcPct val="90000"/>
+              </a:lnSpc>
+              <a:spcAft>
+                <a:spcPts val="600"/>
+              </a:spcAft>
+            </a:pPr>
+            <a:fld id="{8B9A499C-E7AC-4E74-9635-A20519089A3A}" type="slidenum">
+              <a:rPr lang="en-US" smtClean="0"/>
+              <a:pPr>
+                <a:lnSpc>
+                  <a:spcPct val="90000"/>
+                </a:lnSpc>
+                <a:spcAft>
+                  <a:spcPts val="600"/>
+                </a:spcAft>
+              </a:pPr>
+              <a:t>3</a:t>
+            </a:fld>
+            <a:endParaRPr lang="en-US"/>
+          </a:p>
+        </p:txBody>
+      </p:sp>
+    </p:spTree>
+    <p:extLst>
+      <p:ext uri="{BB962C8B-B14F-4D97-AF65-F5344CB8AC3E}">
+        <p14:creationId xmlns:p14="http://schemas.microsoft.com/office/powerpoint/2010/main" val="3246440597"/>
+      </p:ext>
+    </p:extLst>
+  </p:cSld>
+  <p:clrMapOvr>
+    <a:masterClrMapping/>
+  </p:clrMapOvr>
+</p:sld>
+</file>
+
+<file path=ppt/slides/slide4.xml><?xml version="1.0" encoding="utf-8"?>
+<p:sld xmlns:a="http://schemas.openxmlformats.org/drawingml/2006/main" xmlns:r="http://schemas.openxmlformats.org/officeDocument/2006/relationships" xmlns:p="http://schemas.openxmlformats.org/presentationml/2006/main">
+  <p:cSld>
+    <p:spTree>
+      <p:nvGrpSpPr>
+        <p:cNvPr id="1" name=""/>
+        <p:cNvGrpSpPr/>
+        <p:nvPr/>
+      </p:nvGrpSpPr>
+      <p:grpSpPr>
+        <a:xfrm>
+          <a:off x="0" y="0"/>
+          <a:ext cx="0" cy="0"/>
+          <a:chOff x="0" y="0"/>
+          <a:chExt cx="0" cy="0"/>
+        </a:xfrm>
+      </p:grpSpPr>
+      <p:sp>
+        <p:nvSpPr>
+          <p:cNvPr id="2" name="제목 1">
+            <a:extLst>
+              <a:ext uri="{FF2B5EF4-FFF2-40B4-BE49-F238E27FC236}">
+                <a16:creationId xmlns:a16="http://schemas.microsoft.com/office/drawing/2014/main" id="{065687DA-9EAE-46B7-95A8-1E56C3339981}"/>
+              </a:ext>
+            </a:extLst>
+          </p:cNvPr>
+          <p:cNvSpPr>
+            <a:spLocks noGrp="1"/>
+          </p:cNvSpPr>
+          <p:nvPr>
+            <p:ph type="title"/>
+          </p:nvPr>
+        </p:nvSpPr>
+        <p:spPr>
+          <a:xfrm>
+            <a:off x="761417" y="925711"/>
+            <a:ext cx="4745861" cy="1188720"/>
+          </a:xfrm>
+        </p:spPr>
+        <p:txBody>
+          <a:bodyPr/>
+          <a:lstStyle/>
+          <a:p>
+            <a:r>
+              <a:rPr lang="en-US"/>
+              <a:t>Config Variables</a:t>
+            </a:r>
+            <a:endParaRPr lang="en-US" dirty="0"/>
+          </a:p>
+        </p:txBody>
+      </p:sp>
+      <p:sp>
+        <p:nvSpPr>
+          <p:cNvPr id="3" name="내용 개체 틀 2">
+            <a:extLst>
+              <a:ext uri="{FF2B5EF4-FFF2-40B4-BE49-F238E27FC236}">
+                <a16:creationId xmlns:a16="http://schemas.microsoft.com/office/drawing/2014/main" id="{59344BCB-1DB0-4862-8501-3191CDEE3CD9}"/>
+              </a:ext>
+            </a:extLst>
+          </p:cNvPr>
+          <p:cNvSpPr>
+            <a:spLocks noGrp="1"/>
+          </p:cNvSpPr>
+          <p:nvPr>
+            <p:ph idx="1"/>
+          </p:nvPr>
+        </p:nvSpPr>
+        <p:spPr>
+          <a:xfrm>
+            <a:off x="761417" y="2713200"/>
+            <a:ext cx="7729728" cy="3101983"/>
+          </a:xfrm>
+        </p:spPr>
+        <p:txBody>
+          <a:bodyPr/>
+          <a:lstStyle/>
+          <a:p>
+            <a:r>
+              <a:rPr lang="en-GB" dirty="0"/>
+              <a:t>Open </a:t>
+            </a:r>
+            <a:r>
+              <a:rPr lang="en-GB" dirty="0" err="1"/>
+              <a:t>app.json</a:t>
+            </a:r>
+            <a:endParaRPr lang="en-GB" dirty="0"/>
+          </a:p>
+          <a:p>
+            <a:r>
+              <a:rPr lang="en-GB" dirty="0"/>
+              <a:t>Get api.ai token</a:t>
+            </a:r>
+          </a:p>
+          <a:p>
+            <a:r>
+              <a:rPr lang="en-GB" dirty="0"/>
+              <a:t>Get Facebook token</a:t>
+            </a:r>
+          </a:p>
+          <a:p>
+            <a:r>
+              <a:rPr lang="en-GB" dirty="0"/>
+              <a:t>Set config variables in Heroku</a:t>
+            </a:r>
+          </a:p>
+          <a:p>
+            <a:pPr marL="0" indent="0">
+              <a:buNone/>
+            </a:pPr>
+            <a:endParaRPr lang="en-US" dirty="0"/>
+          </a:p>
+        </p:txBody>
+      </p:sp>
+      <p:sp>
+        <p:nvSpPr>
+          <p:cNvPr id="4" name="슬라이드 번호 개체 틀 3">
+            <a:extLst>
+              <a:ext uri="{FF2B5EF4-FFF2-40B4-BE49-F238E27FC236}">
+                <a16:creationId xmlns:a16="http://schemas.microsoft.com/office/drawing/2014/main" id="{5151429D-42AA-4E95-8CCB-9BD8F44E8BA2}"/>
+              </a:ext>
+            </a:extLst>
+          </p:cNvPr>
+          <p:cNvSpPr>
+            <a:spLocks noGrp="1"/>
+          </p:cNvSpPr>
+          <p:nvPr>
+            <p:ph type="sldNum" sz="quarter" idx="12"/>
+          </p:nvPr>
+        </p:nvSpPr>
+        <p:spPr>
+          <a:xfrm>
+            <a:off x="11704320" y="6400800"/>
+            <a:ext cx="365760" cy="365760"/>
+          </a:xfrm>
+        </p:spPr>
+        <p:txBody>
+          <a:bodyPr/>
+          <a:lstStyle/>
+          <a:p>
+            <a:fld id="{8B9A499C-E7AC-4E74-9635-A20519089A3A}" type="slidenum">
+              <a:rPr lang="en-US" smtClean="0"/>
+              <a:t>4</a:t>
+            </a:fld>
+            <a:endParaRPr lang="en-US"/>
+          </a:p>
+        </p:txBody>
+      </p:sp>
+      <p:pic>
+        <p:nvPicPr>
+          <p:cNvPr id="5" name="그림 4">
+            <a:extLst>
+              <a:ext uri="{FF2B5EF4-FFF2-40B4-BE49-F238E27FC236}">
+                <a16:creationId xmlns:a16="http://schemas.microsoft.com/office/drawing/2014/main" id="{B39C1F6B-6F5C-48CD-B8FC-3E3150CA1F0A}"/>
+              </a:ext>
+            </a:extLst>
+          </p:cNvPr>
+          <p:cNvPicPr>
+            <a:picLocks noChangeAspect="1"/>
+          </p:cNvPicPr>
+          <p:nvPr/>
+        </p:nvPicPr>
+        <p:blipFill>
+          <a:blip r:embed="rId3"/>
+          <a:stretch>
+            <a:fillRect/>
+          </a:stretch>
+        </p:blipFill>
+        <p:spPr>
+          <a:xfrm>
+            <a:off x="5992407" y="542731"/>
+            <a:ext cx="2932298" cy="2381546"/>
+          </a:xfrm>
+          <a:prstGeom prst="rect">
+            <a:avLst/>
+          </a:prstGeom>
+        </p:spPr>
+      </p:pic>
+      <p:pic>
+        <p:nvPicPr>
+          <p:cNvPr id="8" name="그림 7">
+            <a:extLst>
+              <a:ext uri="{FF2B5EF4-FFF2-40B4-BE49-F238E27FC236}">
+                <a16:creationId xmlns:a16="http://schemas.microsoft.com/office/drawing/2014/main" id="{A359ABD7-E9CD-4A58-9F4B-8742627977D2}"/>
+              </a:ext>
+            </a:extLst>
+          </p:cNvPr>
+          <p:cNvPicPr>
+            <a:picLocks noChangeAspect="1"/>
+          </p:cNvPicPr>
+          <p:nvPr/>
+        </p:nvPicPr>
+        <p:blipFill>
+          <a:blip r:embed="rId4"/>
+          <a:stretch>
+            <a:fillRect/>
+          </a:stretch>
+        </p:blipFill>
+        <p:spPr>
+          <a:xfrm>
+            <a:off x="8996547" y="309994"/>
+            <a:ext cx="2890653" cy="2847020"/>
+          </a:xfrm>
+          <a:prstGeom prst="rect">
+            <a:avLst/>
+          </a:prstGeom>
+        </p:spPr>
+      </p:pic>
+      <p:pic>
+        <p:nvPicPr>
+          <p:cNvPr id="9" name="그림 8">
+            <a:extLst>
+              <a:ext uri="{FF2B5EF4-FFF2-40B4-BE49-F238E27FC236}">
+                <a16:creationId xmlns:a16="http://schemas.microsoft.com/office/drawing/2014/main" id="{FED17835-2CEF-485A-8FE2-8C85598B9DED}"/>
+              </a:ext>
+            </a:extLst>
+          </p:cNvPr>
+          <p:cNvPicPr>
+            <a:picLocks noChangeAspect="1"/>
+          </p:cNvPicPr>
+          <p:nvPr/>
+        </p:nvPicPr>
+        <p:blipFill>
+          <a:blip r:embed="rId5"/>
+          <a:stretch>
+            <a:fillRect/>
+          </a:stretch>
+        </p:blipFill>
+        <p:spPr>
+          <a:xfrm>
+            <a:off x="6506350" y="3358785"/>
+            <a:ext cx="4980393" cy="3321610"/>
+          </a:xfrm>
+          <a:prstGeom prst="rect">
+            <a:avLst/>
+          </a:prstGeom>
+        </p:spPr>
+      </p:pic>
+    </p:spTree>
+    <p:extLst>
+      <p:ext uri="{BB962C8B-B14F-4D97-AF65-F5344CB8AC3E}">
+        <p14:creationId xmlns:p14="http://schemas.microsoft.com/office/powerpoint/2010/main" val="2328516552"/>
+      </p:ext>
+    </p:extLst>
+  </p:cSld>
+  <p:clrMapOvr>
+    <a:masterClrMapping/>
+  </p:clrMapOvr>
+</p:sld>
+</file>
+
+<file path=ppt/slides/slide5.xml><?xml version="1.0" encoding="utf-8"?>
+<p:sld xmlns:a="http://schemas.openxmlformats.org/drawingml/2006/main" xmlns:r="http://schemas.openxmlformats.org/officeDocument/2006/relationships" xmlns:p="http://schemas.openxmlformats.org/presentationml/2006/main">
+  <p:cSld>
+    <p:spTree>
+      <p:nvGrpSpPr>
+        <p:cNvPr id="1" name=""/>
+        <p:cNvGrpSpPr/>
+        <p:nvPr/>
+      </p:nvGrpSpPr>
+      <p:grpSpPr>
+        <a:xfrm>
+          <a:off x="0" y="0"/>
+          <a:ext cx="0" cy="0"/>
+          <a:chOff x="0" y="0"/>
+          <a:chExt cx="0" cy="0"/>
+        </a:xfrm>
+      </p:grpSpPr>
+      <p:sp>
+        <p:nvSpPr>
+          <p:cNvPr id="2" name="제목 1">
+            <a:extLst>
+              <a:ext uri="{FF2B5EF4-FFF2-40B4-BE49-F238E27FC236}">
+                <a16:creationId xmlns:a16="http://schemas.microsoft.com/office/drawing/2014/main" id="{1A57E564-09E0-4238-A9E8-39CB26229891}"/>
+              </a:ext>
+            </a:extLst>
+          </p:cNvPr>
+          <p:cNvSpPr>
+            <a:spLocks noGrp="1"/>
+          </p:cNvSpPr>
+          <p:nvPr>
+            <p:ph type="title"/>
+          </p:nvPr>
+        </p:nvSpPr>
+        <p:spPr>
+          <a:xfrm>
+            <a:off x="2611783" y="601275"/>
+            <a:ext cx="6881449" cy="1188720"/>
+          </a:xfrm>
+        </p:spPr>
+        <p:txBody>
+          <a:bodyPr/>
+          <a:lstStyle/>
+          <a:p>
+            <a:r>
+              <a:rPr lang="en-US" dirty="0"/>
+              <a:t>How API.AI Connected</a:t>
+            </a:r>
+          </a:p>
+        </p:txBody>
+      </p:sp>
+      <p:sp>
+        <p:nvSpPr>
+          <p:cNvPr id="38" name="슬라이드 번호 개체 틀 37">
+            <a:extLst>
+              <a:ext uri="{FF2B5EF4-FFF2-40B4-BE49-F238E27FC236}">
+                <a16:creationId xmlns:a16="http://schemas.microsoft.com/office/drawing/2014/main" id="{EA584632-DDD4-4959-90F3-25989E8DA709}"/>
+              </a:ext>
+            </a:extLst>
+          </p:cNvPr>
+          <p:cNvSpPr>
+            <a:spLocks noGrp="1"/>
+          </p:cNvSpPr>
+          <p:nvPr>
+            <p:ph type="sldNum" sz="quarter" idx="12"/>
+          </p:nvPr>
+        </p:nvSpPr>
+        <p:spPr/>
+        <p:txBody>
+          <a:bodyPr/>
+          <a:lstStyle/>
+          <a:p>
+            <a:fld id="{8B9A499C-E7AC-4E74-9635-A20519089A3A}" type="slidenum">
+              <a:rPr lang="en-US" smtClean="0"/>
+              <a:t>5</a:t>
+            </a:fld>
+            <a:endParaRPr lang="en-US"/>
+          </a:p>
+        </p:txBody>
+      </p:sp>
+      <p:sp>
+        <p:nvSpPr>
+          <p:cNvPr id="20" name="TextBox 19">
+            <a:extLst>
+              <a:ext uri="{FF2B5EF4-FFF2-40B4-BE49-F238E27FC236}">
+                <a16:creationId xmlns:a16="http://schemas.microsoft.com/office/drawing/2014/main" id="{F7C69F09-0542-4585-8F31-953E5D743F0A}"/>
+              </a:ext>
+            </a:extLst>
+          </p:cNvPr>
+          <p:cNvSpPr txBox="1"/>
+          <p:nvPr/>
+        </p:nvSpPr>
+        <p:spPr>
+          <a:xfrm>
+            <a:off x="9571733" y="3988174"/>
+            <a:ext cx="1622322" cy="858548"/>
+          </a:xfrm>
+          <a:prstGeom prst="roundRect">
+            <a:avLst/>
+          </a:prstGeom>
+          <a:solidFill>
+            <a:srgbClr val="F6A21D"/>
+          </a:solidFill>
+        </p:spPr>
+        <p:txBody>
+          <a:bodyPr wrap="square" rtlCol="0" anchor="ctr" anchorCtr="0">
+            <a:noAutofit/>
+          </a:bodyPr>
+          <a:lstStyle/>
+          <a:p>
+            <a:pPr algn="ctr"/>
+            <a:r>
+              <a:rPr lang="en-US" sz="3000" dirty="0"/>
+              <a:t>User</a:t>
+            </a:r>
+          </a:p>
+        </p:txBody>
+      </p:sp>
+      <p:sp>
+        <p:nvSpPr>
+          <p:cNvPr id="21" name="TextBox 20">
+            <a:extLst>
+              <a:ext uri="{FF2B5EF4-FFF2-40B4-BE49-F238E27FC236}">
+                <a16:creationId xmlns:a16="http://schemas.microsoft.com/office/drawing/2014/main" id="{513A82AE-6F04-4EAB-BF2C-8FF6276830BA}"/>
+              </a:ext>
+            </a:extLst>
+          </p:cNvPr>
+          <p:cNvSpPr txBox="1"/>
+          <p:nvPr/>
+        </p:nvSpPr>
+        <p:spPr>
+          <a:xfrm>
+            <a:off x="3790587" y="3988174"/>
+            <a:ext cx="1622322" cy="858548"/>
+          </a:xfrm>
+          <a:prstGeom prst="roundRect">
+            <a:avLst/>
+          </a:prstGeom>
+          <a:solidFill>
+            <a:srgbClr val="4192EB"/>
+          </a:solidFill>
+        </p:spPr>
+        <p:txBody>
+          <a:bodyPr wrap="square" rtlCol="0" anchor="ctr" anchorCtr="0">
+            <a:noAutofit/>
+          </a:bodyPr>
+          <a:lstStyle/>
+          <a:p>
+            <a:pPr algn="ctr"/>
+            <a:r>
+              <a:rPr lang="en-US" sz="3000" dirty="0"/>
+              <a:t>Heroku</a:t>
+            </a:r>
+          </a:p>
+        </p:txBody>
+      </p:sp>
+      <p:sp>
+        <p:nvSpPr>
+          <p:cNvPr id="22" name="TextBox 21">
+            <a:extLst>
+              <a:ext uri="{FF2B5EF4-FFF2-40B4-BE49-F238E27FC236}">
+                <a16:creationId xmlns:a16="http://schemas.microsoft.com/office/drawing/2014/main" id="{EB92E901-210D-4AC0-A45B-491CF1DD3F6F}"/>
+              </a:ext>
+            </a:extLst>
+          </p:cNvPr>
+          <p:cNvSpPr txBox="1"/>
+          <p:nvPr/>
+        </p:nvSpPr>
+        <p:spPr>
+          <a:xfrm>
+            <a:off x="997944" y="3988174"/>
+            <a:ext cx="1622322" cy="858548"/>
+          </a:xfrm>
+          <a:prstGeom prst="roundRect">
+            <a:avLst/>
+          </a:prstGeom>
+          <a:solidFill>
+            <a:srgbClr val="F6A21D"/>
+          </a:solidFill>
+        </p:spPr>
+        <p:txBody>
+          <a:bodyPr wrap="square" rtlCol="0" anchor="ctr" anchorCtr="0">
+            <a:noAutofit/>
+          </a:bodyPr>
+          <a:lstStyle/>
+          <a:p>
+            <a:pPr algn="ctr"/>
+            <a:r>
+              <a:rPr lang="en-US" sz="3000" dirty="0"/>
+              <a:t>Local</a:t>
+            </a:r>
+          </a:p>
+        </p:txBody>
+      </p:sp>
+      <p:sp>
+        <p:nvSpPr>
+          <p:cNvPr id="23" name="TextBox 22">
+            <a:extLst>
+              <a:ext uri="{FF2B5EF4-FFF2-40B4-BE49-F238E27FC236}">
+                <a16:creationId xmlns:a16="http://schemas.microsoft.com/office/drawing/2014/main" id="{103F5FC2-5C3B-40AF-BD2D-BACCCEDB04D1}"/>
+              </a:ext>
+            </a:extLst>
+          </p:cNvPr>
+          <p:cNvSpPr txBox="1"/>
+          <p:nvPr/>
+        </p:nvSpPr>
+        <p:spPr>
+          <a:xfrm>
+            <a:off x="6681160" y="5522550"/>
+            <a:ext cx="1622322" cy="858548"/>
+          </a:xfrm>
+          <a:prstGeom prst="roundRect">
+            <a:avLst/>
+          </a:prstGeom>
+          <a:solidFill>
+            <a:srgbClr val="F6A21D"/>
+          </a:solidFill>
+        </p:spPr>
+        <p:txBody>
+          <a:bodyPr wrap="square" rtlCol="0" anchor="ctr" anchorCtr="0">
+            <a:noAutofit/>
+          </a:bodyPr>
+          <a:lstStyle/>
+          <a:p>
+            <a:pPr algn="ctr"/>
+            <a:r>
+              <a:rPr lang="en-US" sz="3000" dirty="0"/>
+              <a:t>Twilio</a:t>
+            </a:r>
+          </a:p>
+        </p:txBody>
+      </p:sp>
+      <p:sp>
+        <p:nvSpPr>
+          <p:cNvPr id="24" name="TextBox 23">
+            <a:extLst>
+              <a:ext uri="{FF2B5EF4-FFF2-40B4-BE49-F238E27FC236}">
+                <a16:creationId xmlns:a16="http://schemas.microsoft.com/office/drawing/2014/main" id="{01025365-48DA-47E9-9BDD-2E99702B228B}"/>
+              </a:ext>
+            </a:extLst>
+          </p:cNvPr>
+          <p:cNvSpPr txBox="1"/>
+          <p:nvPr/>
+        </p:nvSpPr>
+        <p:spPr>
+          <a:xfrm>
+            <a:off x="6583230" y="2465842"/>
+            <a:ext cx="1818182" cy="858548"/>
+          </a:xfrm>
+          <a:prstGeom prst="roundRect">
+            <a:avLst/>
+          </a:prstGeom>
+          <a:solidFill>
+            <a:srgbClr val="4192EB"/>
+          </a:solidFill>
+        </p:spPr>
+        <p:txBody>
+          <a:bodyPr wrap="square" rtlCol="0" anchor="ctr" anchorCtr="0">
+            <a:noAutofit/>
+          </a:bodyPr>
+          <a:lstStyle/>
+          <a:p>
+            <a:pPr algn="ctr"/>
+            <a:r>
+              <a:rPr lang="en-US" sz="3000" dirty="0"/>
+              <a:t>Facebook</a:t>
+            </a:r>
+          </a:p>
+        </p:txBody>
+      </p:sp>
+      <p:sp>
+        <p:nvSpPr>
+          <p:cNvPr id="25" name="TextBox 24">
+            <a:extLst>
+              <a:ext uri="{FF2B5EF4-FFF2-40B4-BE49-F238E27FC236}">
+                <a16:creationId xmlns:a16="http://schemas.microsoft.com/office/drawing/2014/main" id="{9D96CB2F-D05C-4954-8F31-1D5A67A97B56}"/>
+              </a:ext>
+            </a:extLst>
+          </p:cNvPr>
+          <p:cNvSpPr txBox="1"/>
+          <p:nvPr/>
+        </p:nvSpPr>
+        <p:spPr>
+          <a:xfrm>
+            <a:off x="6681160" y="3988174"/>
+            <a:ext cx="1622322" cy="858548"/>
+          </a:xfrm>
+          <a:prstGeom prst="roundRect">
+            <a:avLst/>
+          </a:prstGeom>
+          <a:solidFill>
+            <a:srgbClr val="F6A21D"/>
+          </a:solidFill>
+        </p:spPr>
+        <p:txBody>
+          <a:bodyPr wrap="square" rtlCol="0" anchor="ctr" anchorCtr="0">
+            <a:noAutofit/>
+          </a:bodyPr>
+          <a:lstStyle/>
+          <a:p>
+            <a:pPr algn="ctr"/>
+            <a:r>
+              <a:rPr lang="en-US" sz="3000" dirty="0" err="1"/>
+              <a:t>Sendgrid</a:t>
+            </a:r>
+            <a:endParaRPr lang="en-US" sz="3000" dirty="0"/>
+          </a:p>
+        </p:txBody>
+      </p:sp>
+      <p:sp>
+        <p:nvSpPr>
+          <p:cNvPr id="26" name="화살표: 왼쪽/오른쪽 25">
+            <a:extLst>
+              <a:ext uri="{FF2B5EF4-FFF2-40B4-BE49-F238E27FC236}">
+                <a16:creationId xmlns:a16="http://schemas.microsoft.com/office/drawing/2014/main" id="{910625D0-FA3C-4D9A-A600-5988EBB00882}"/>
+              </a:ext>
+            </a:extLst>
+          </p:cNvPr>
+          <p:cNvSpPr/>
+          <p:nvPr/>
+        </p:nvSpPr>
+        <p:spPr>
+          <a:xfrm>
+            <a:off x="2862505" y="4195459"/>
+            <a:ext cx="783772" cy="443977"/>
+          </a:xfrm>
+          <a:prstGeom prst="leftRightArrow">
+            <a:avLst/>
+          </a:prstGeom>
+          <a:solidFill>
+            <a:schemeClr val="accent1">
+              <a:lumMod val="20000"/>
+              <a:lumOff val="80000"/>
+            </a:schemeClr>
+          </a:solidFill>
+        </p:spPr>
+        <p:style>
+          <a:lnRef idx="2">
+            <a:schemeClr val="accent1">
+              <a:shade val="50000"/>
+            </a:schemeClr>
+          </a:lnRef>
+          <a:fillRef idx="1">
+            <a:schemeClr val="accent1"/>
+          </a:fillRef>
+          <a:effectRef idx="0">
+            <a:schemeClr val="accent1"/>
+          </a:effectRef>
+          <a:fontRef idx="minor">
+            <a:schemeClr val="lt1"/>
+          </a:fontRef>
+        </p:style>
+        <p:txBody>
+          <a:bodyPr rtlCol="0" anchor="ctr"/>
+          <a:lstStyle/>
+          <a:p>
+            <a:pPr algn="ctr"/>
+            <a:endParaRPr lang="en-US"/>
+          </a:p>
+        </p:txBody>
+      </p:sp>
+      <p:sp>
+        <p:nvSpPr>
+          <p:cNvPr id="27" name="화살표: 왼쪽/오른쪽 26">
+            <a:extLst>
+              <a:ext uri="{FF2B5EF4-FFF2-40B4-BE49-F238E27FC236}">
+                <a16:creationId xmlns:a16="http://schemas.microsoft.com/office/drawing/2014/main" id="{A3CF292D-CFB8-4769-B018-15C26843766E}"/>
+              </a:ext>
+            </a:extLst>
+          </p:cNvPr>
+          <p:cNvSpPr/>
+          <p:nvPr/>
+        </p:nvSpPr>
+        <p:spPr>
+          <a:xfrm rot="5400000">
+            <a:off x="4333091" y="3431278"/>
+            <a:ext cx="537310" cy="443977"/>
+          </a:xfrm>
+          <a:prstGeom prst="leftRightArrow">
+            <a:avLst/>
+          </a:prstGeom>
+          <a:solidFill>
+            <a:srgbClr val="ABE9FF"/>
+          </a:solidFill>
+          <a:ln>
+            <a:solidFill>
+              <a:srgbClr val="4192EB"/>
+            </a:solidFill>
+          </a:ln>
+        </p:spPr>
+        <p:style>
+          <a:lnRef idx="2">
+            <a:schemeClr val="accent1">
+              <a:shade val="50000"/>
+            </a:schemeClr>
+          </a:lnRef>
+          <a:fillRef idx="1">
+            <a:schemeClr val="accent1"/>
+          </a:fillRef>
+          <a:effectRef idx="0">
+            <a:schemeClr val="accent1"/>
+          </a:effectRef>
+          <a:fontRef idx="minor">
+            <a:schemeClr val="lt1"/>
+          </a:fontRef>
+        </p:style>
+        <p:txBody>
+          <a:bodyPr rtlCol="0" anchor="ctr"/>
+          <a:lstStyle/>
+          <a:p>
+            <a:pPr algn="ctr"/>
+            <a:endParaRPr lang="en-US"/>
+          </a:p>
+        </p:txBody>
+      </p:sp>
+      <p:sp>
+        <p:nvSpPr>
+          <p:cNvPr id="28" name="화살표: 왼쪽/오른쪽 27">
+            <a:extLst>
+              <a:ext uri="{FF2B5EF4-FFF2-40B4-BE49-F238E27FC236}">
+                <a16:creationId xmlns:a16="http://schemas.microsoft.com/office/drawing/2014/main" id="{37E87DEE-5AC1-42A6-AFBE-438D255DAC40}"/>
+              </a:ext>
+            </a:extLst>
+          </p:cNvPr>
+          <p:cNvSpPr/>
+          <p:nvPr/>
+        </p:nvSpPr>
+        <p:spPr>
+          <a:xfrm>
+            <a:off x="8545721" y="4195457"/>
+            <a:ext cx="783772" cy="443977"/>
+          </a:xfrm>
+          <a:prstGeom prst="leftRightArrow">
+            <a:avLst/>
+          </a:prstGeom>
+          <a:solidFill>
+            <a:schemeClr val="accent1">
+              <a:lumMod val="20000"/>
+              <a:lumOff val="80000"/>
+            </a:schemeClr>
+          </a:solidFill>
+        </p:spPr>
+        <p:style>
+          <a:lnRef idx="2">
+            <a:schemeClr val="accent1">
+              <a:shade val="50000"/>
+            </a:schemeClr>
+          </a:lnRef>
+          <a:fillRef idx="1">
+            <a:schemeClr val="accent1"/>
+          </a:fillRef>
+          <a:effectRef idx="0">
+            <a:schemeClr val="accent1"/>
+          </a:effectRef>
+          <a:fontRef idx="minor">
+            <a:schemeClr val="lt1"/>
+          </a:fontRef>
+        </p:style>
+        <p:txBody>
+          <a:bodyPr rtlCol="0" anchor="ctr"/>
+          <a:lstStyle/>
+          <a:p>
+            <a:pPr algn="ctr"/>
+            <a:endParaRPr lang="en-US"/>
+          </a:p>
+        </p:txBody>
+      </p:sp>
+      <p:sp>
+        <p:nvSpPr>
+          <p:cNvPr id="31" name="화살표: 위쪽/아래쪽 30">
+            <a:extLst>
+              <a:ext uri="{FF2B5EF4-FFF2-40B4-BE49-F238E27FC236}">
+                <a16:creationId xmlns:a16="http://schemas.microsoft.com/office/drawing/2014/main" id="{90E09D61-6895-46BC-8FAE-754525A0BCB8}"/>
+              </a:ext>
+            </a:extLst>
+          </p:cNvPr>
+          <p:cNvSpPr/>
+          <p:nvPr/>
+        </p:nvSpPr>
+        <p:spPr>
+          <a:xfrm rot="18366477">
+            <a:off x="5834148" y="4935144"/>
+            <a:ext cx="431075" cy="1060266"/>
+          </a:xfrm>
+          <a:prstGeom prst="upDownArrow">
+            <a:avLst/>
+          </a:prstGeom>
+          <a:solidFill>
+            <a:schemeClr val="accent1">
+              <a:lumMod val="20000"/>
+              <a:lumOff val="80000"/>
+            </a:schemeClr>
+          </a:solidFill>
+        </p:spPr>
+        <p:style>
+          <a:lnRef idx="2">
+            <a:schemeClr val="accent1">
+              <a:shade val="50000"/>
+            </a:schemeClr>
+          </a:lnRef>
+          <a:fillRef idx="1">
+            <a:schemeClr val="accent1"/>
+          </a:fillRef>
+          <a:effectRef idx="0">
+            <a:schemeClr val="accent1"/>
+          </a:effectRef>
+          <a:fontRef idx="minor">
+            <a:schemeClr val="lt1"/>
+          </a:fontRef>
+        </p:style>
+        <p:txBody>
+          <a:bodyPr rtlCol="0" anchor="ctr"/>
+          <a:lstStyle/>
+          <a:p>
+            <a:pPr algn="ctr"/>
+            <a:endParaRPr lang="en-US"/>
+          </a:p>
+        </p:txBody>
+      </p:sp>
+      <p:sp>
+        <p:nvSpPr>
+          <p:cNvPr id="33" name="화살표: 위쪽/아래쪽 32">
+            <a:extLst>
+              <a:ext uri="{FF2B5EF4-FFF2-40B4-BE49-F238E27FC236}">
+                <a16:creationId xmlns:a16="http://schemas.microsoft.com/office/drawing/2014/main" id="{5E8E595B-B6C5-4DF1-9C4D-C23D2DADE200}"/>
+              </a:ext>
+            </a:extLst>
+          </p:cNvPr>
+          <p:cNvSpPr/>
+          <p:nvPr/>
+        </p:nvSpPr>
+        <p:spPr>
+          <a:xfrm rot="14228421">
+            <a:off x="5778520" y="3152733"/>
+            <a:ext cx="431075" cy="1060266"/>
+          </a:xfrm>
+          <a:prstGeom prst="upDownArrow">
+            <a:avLst/>
+          </a:prstGeom>
+          <a:solidFill>
+            <a:srgbClr val="ABE9FF"/>
+          </a:solidFill>
+          <a:ln>
+            <a:solidFill>
+              <a:srgbClr val="4192EB"/>
+            </a:solidFill>
+          </a:ln>
+        </p:spPr>
+        <p:style>
+          <a:lnRef idx="2">
+            <a:schemeClr val="accent1">
+              <a:shade val="50000"/>
+            </a:schemeClr>
+          </a:lnRef>
+          <a:fillRef idx="1">
+            <a:schemeClr val="accent1"/>
+          </a:fillRef>
+          <a:effectRef idx="0">
+            <a:schemeClr val="accent1"/>
+          </a:effectRef>
+          <a:fontRef idx="minor">
+            <a:schemeClr val="lt1"/>
+          </a:fontRef>
+        </p:style>
+        <p:txBody>
+          <a:bodyPr rtlCol="0" anchor="ctr"/>
+          <a:lstStyle/>
+          <a:p>
+            <a:pPr algn="ctr"/>
+            <a:endParaRPr lang="en-US"/>
+          </a:p>
+        </p:txBody>
+      </p:sp>
+      <p:sp>
+        <p:nvSpPr>
+          <p:cNvPr id="34" name="화살표: 위쪽/아래쪽 33">
+            <a:extLst>
+              <a:ext uri="{FF2B5EF4-FFF2-40B4-BE49-F238E27FC236}">
+                <a16:creationId xmlns:a16="http://schemas.microsoft.com/office/drawing/2014/main" id="{FA6DC64F-F213-4D41-B8A6-D06E1512A180}"/>
+              </a:ext>
+            </a:extLst>
+          </p:cNvPr>
+          <p:cNvSpPr/>
+          <p:nvPr/>
+        </p:nvSpPr>
+        <p:spPr>
+          <a:xfrm rot="19154619">
+            <a:off x="8839547" y="2844976"/>
+            <a:ext cx="431075" cy="1060266"/>
+          </a:xfrm>
+          <a:prstGeom prst="upDownArrow">
+            <a:avLst/>
+          </a:prstGeom>
+          <a:solidFill>
+            <a:schemeClr val="accent1">
+              <a:lumMod val="20000"/>
+              <a:lumOff val="80000"/>
+            </a:schemeClr>
+          </a:solidFill>
+        </p:spPr>
+        <p:style>
+          <a:lnRef idx="2">
+            <a:schemeClr val="accent1">
+              <a:shade val="50000"/>
+            </a:schemeClr>
+          </a:lnRef>
+          <a:fillRef idx="1">
+            <a:schemeClr val="accent1"/>
+          </a:fillRef>
+          <a:effectRef idx="0">
+            <a:schemeClr val="accent1"/>
+          </a:effectRef>
+          <a:fontRef idx="minor">
+            <a:schemeClr val="lt1"/>
+          </a:fontRef>
+        </p:style>
+        <p:txBody>
+          <a:bodyPr rtlCol="0" anchor="ctr"/>
+          <a:lstStyle/>
+          <a:p>
+            <a:pPr algn="ctr"/>
+            <a:endParaRPr lang="en-US"/>
+          </a:p>
+        </p:txBody>
+      </p:sp>
+      <p:sp>
+        <p:nvSpPr>
+          <p:cNvPr id="35" name="화살표: 위쪽/아래쪽 34">
+            <a:extLst>
+              <a:ext uri="{FF2B5EF4-FFF2-40B4-BE49-F238E27FC236}">
+                <a16:creationId xmlns:a16="http://schemas.microsoft.com/office/drawing/2014/main" id="{1FE0818D-A7A3-4016-A056-8D16DF47633C}"/>
+              </a:ext>
+            </a:extLst>
+          </p:cNvPr>
+          <p:cNvSpPr/>
+          <p:nvPr/>
+        </p:nvSpPr>
+        <p:spPr>
+          <a:xfrm rot="2803581">
+            <a:off x="8774469" y="4882478"/>
+            <a:ext cx="431075" cy="1097280"/>
+          </a:xfrm>
+          <a:prstGeom prst="upDownArrow">
+            <a:avLst/>
+          </a:prstGeom>
+          <a:solidFill>
+            <a:schemeClr val="accent1">
+              <a:lumMod val="20000"/>
+              <a:lumOff val="80000"/>
+            </a:schemeClr>
+          </a:solidFill>
+        </p:spPr>
+        <p:style>
+          <a:lnRef idx="2">
+            <a:schemeClr val="accent1">
+              <a:shade val="50000"/>
+            </a:schemeClr>
+          </a:lnRef>
+          <a:fillRef idx="1">
+            <a:schemeClr val="accent1"/>
+          </a:fillRef>
+          <a:effectRef idx="0">
+            <a:schemeClr val="accent1"/>
+          </a:effectRef>
+          <a:fontRef idx="minor">
+            <a:schemeClr val="lt1"/>
+          </a:fontRef>
+        </p:style>
+        <p:txBody>
+          <a:bodyPr rtlCol="0" anchor="ctr"/>
+          <a:lstStyle/>
+          <a:p>
+            <a:pPr algn="ctr"/>
+            <a:endParaRPr lang="en-US"/>
+          </a:p>
+        </p:txBody>
+      </p:sp>
+      <p:sp>
+        <p:nvSpPr>
+          <p:cNvPr id="39" name="TextBox 38">
+            <a:extLst>
+              <a:ext uri="{FF2B5EF4-FFF2-40B4-BE49-F238E27FC236}">
+                <a16:creationId xmlns:a16="http://schemas.microsoft.com/office/drawing/2014/main" id="{3E6CF412-FFC2-427A-8261-91C2D04D8B9D}"/>
+              </a:ext>
+            </a:extLst>
+          </p:cNvPr>
+          <p:cNvSpPr txBox="1"/>
+          <p:nvPr/>
+        </p:nvSpPr>
+        <p:spPr>
+          <a:xfrm>
+            <a:off x="3921559" y="4815599"/>
+            <a:ext cx="1360377" cy="369332"/>
+          </a:xfrm>
+          <a:prstGeom prst="rect">
+            <a:avLst/>
+          </a:prstGeom>
+          <a:noFill/>
+        </p:spPr>
+        <p:txBody>
+          <a:bodyPr wrap="square" rtlCol="0">
+            <a:spAutoFit/>
+          </a:bodyPr>
+          <a:lstStyle/>
+          <a:p>
+            <a:pPr algn="ctr"/>
+            <a:r>
+              <a:rPr lang="en-US" dirty="0"/>
+              <a:t>Server</a:t>
+            </a:r>
+          </a:p>
+        </p:txBody>
+      </p:sp>
+      <p:sp>
+        <p:nvSpPr>
+          <p:cNvPr id="40" name="TextBox 39">
+            <a:extLst>
+              <a:ext uri="{FF2B5EF4-FFF2-40B4-BE49-F238E27FC236}">
+                <a16:creationId xmlns:a16="http://schemas.microsoft.com/office/drawing/2014/main" id="{6874408D-23CF-43E8-9BE5-254244E32661}"/>
+              </a:ext>
+            </a:extLst>
+          </p:cNvPr>
+          <p:cNvSpPr txBox="1"/>
+          <p:nvPr/>
+        </p:nvSpPr>
+        <p:spPr>
+          <a:xfrm>
+            <a:off x="6817435" y="4846722"/>
+            <a:ext cx="1360377" cy="369332"/>
+          </a:xfrm>
+          <a:prstGeom prst="rect">
+            <a:avLst/>
+          </a:prstGeom>
+          <a:noFill/>
+        </p:spPr>
+        <p:txBody>
+          <a:bodyPr wrap="square" rtlCol="0">
+            <a:spAutoFit/>
+          </a:bodyPr>
+          <a:lstStyle/>
+          <a:p>
+            <a:pPr algn="ctr"/>
+            <a:r>
+              <a:rPr lang="en-US" dirty="0"/>
+              <a:t>Email</a:t>
+            </a:r>
+          </a:p>
+        </p:txBody>
+      </p:sp>
+      <p:sp>
+        <p:nvSpPr>
+          <p:cNvPr id="41" name="TextBox 40">
+            <a:extLst>
+              <a:ext uri="{FF2B5EF4-FFF2-40B4-BE49-F238E27FC236}">
+                <a16:creationId xmlns:a16="http://schemas.microsoft.com/office/drawing/2014/main" id="{85E415C8-BDAA-4B73-8BC3-10EB9A9729C9}"/>
+              </a:ext>
+            </a:extLst>
+          </p:cNvPr>
+          <p:cNvSpPr txBox="1"/>
+          <p:nvPr/>
+        </p:nvSpPr>
+        <p:spPr>
+          <a:xfrm>
+            <a:off x="6817435" y="6397228"/>
+            <a:ext cx="1360377" cy="369332"/>
+          </a:xfrm>
+          <a:prstGeom prst="rect">
+            <a:avLst/>
+          </a:prstGeom>
+          <a:noFill/>
+        </p:spPr>
+        <p:txBody>
+          <a:bodyPr wrap="square" rtlCol="0">
+            <a:spAutoFit/>
+          </a:bodyPr>
+          <a:lstStyle/>
+          <a:p>
+            <a:pPr algn="ctr"/>
+            <a:r>
+              <a:rPr lang="en-US" dirty="0"/>
+              <a:t>SMS</a:t>
+            </a:r>
+          </a:p>
+        </p:txBody>
+      </p:sp>
+      <p:sp>
+        <p:nvSpPr>
+          <p:cNvPr id="42" name="TextBox 41">
+            <a:extLst>
+              <a:ext uri="{FF2B5EF4-FFF2-40B4-BE49-F238E27FC236}">
+                <a16:creationId xmlns:a16="http://schemas.microsoft.com/office/drawing/2014/main" id="{0BC2F17F-F8E2-48FF-832C-4AD8B9E972B2}"/>
+              </a:ext>
+            </a:extLst>
+          </p:cNvPr>
+          <p:cNvSpPr txBox="1"/>
+          <p:nvPr/>
+        </p:nvSpPr>
+        <p:spPr>
+          <a:xfrm>
+            <a:off x="1128916" y="4846722"/>
+            <a:ext cx="1360377" cy="369332"/>
+          </a:xfrm>
+          <a:prstGeom prst="rect">
+            <a:avLst/>
+          </a:prstGeom>
+          <a:noFill/>
+        </p:spPr>
+        <p:txBody>
+          <a:bodyPr wrap="square" rtlCol="0">
+            <a:spAutoFit/>
+          </a:bodyPr>
+          <a:lstStyle/>
+          <a:p>
+            <a:pPr algn="ctr"/>
+            <a:r>
+              <a:rPr lang="en-US" dirty="0"/>
+              <a:t>Developer</a:t>
+            </a:r>
+          </a:p>
+        </p:txBody>
+      </p:sp>
+      <p:pic>
+        <p:nvPicPr>
+          <p:cNvPr id="29" name="Picture 2" descr="https://images.vexels.com/media/users/3/128132/isolated/preview/fa3b9aad78a9db81459bd03294a0f985-flat-laptop-icon-by-vexels.png">
+            <a:extLst>
+              <a:ext uri="{FF2B5EF4-FFF2-40B4-BE49-F238E27FC236}">
+                <a16:creationId xmlns:a16="http://schemas.microsoft.com/office/drawing/2014/main" id="{0CE503CF-0A0C-4BEC-88DB-A9E29DF9C0CF}"/>
+              </a:ext>
+            </a:extLst>
+          </p:cNvPr>
+          <p:cNvPicPr>
+            <a:picLocks noChangeAspect="1" noChangeArrowheads="1"/>
+          </p:cNvPicPr>
+          <p:nvPr/>
+        </p:nvPicPr>
+        <p:blipFill rotWithShape="1">
+          <a:blip r:embed="rId3">
+            <a:extLst>
+              <a:ext uri="{28A0092B-C50C-407E-A947-70E740481C1C}">
+                <a14:useLocalDpi xmlns:a14="http://schemas.microsoft.com/office/drawing/2010/main" val="0"/>
+              </a:ext>
+            </a:extLst>
+          </a:blip>
+          <a:srcRect t="18951" b="16694"/>
+          <a:stretch/>
+        </p:blipFill>
+        <p:spPr bwMode="auto">
+          <a:xfrm>
+            <a:off x="9537213" y="3148630"/>
+            <a:ext cx="1678365" cy="1080093"/>
+          </a:xfrm>
+          <a:prstGeom prst="rect">
+            <a:avLst/>
+          </a:prstGeom>
+          <a:noFill/>
+          <a:extLst>
+            <a:ext uri="{909E8E84-426E-40DD-AFC4-6F175D3DCCD1}">
+              <a14:hiddenFill xmlns:a14="http://schemas.microsoft.com/office/drawing/2010/main">
+                <a:solidFill>
+                  <a:srgbClr val="FFFFFF"/>
+                </a:solidFill>
+              </a14:hiddenFill>
+            </a:ext>
+          </a:extLst>
+        </p:spPr>
+      </p:pic>
+      <p:sp>
+        <p:nvSpPr>
+          <p:cNvPr id="36" name="TextBox 35">
+            <a:extLst>
+              <a:ext uri="{FF2B5EF4-FFF2-40B4-BE49-F238E27FC236}">
+                <a16:creationId xmlns:a16="http://schemas.microsoft.com/office/drawing/2014/main" id="{1F3419F1-F868-42AE-A1EC-18D5F0DA5EFF}"/>
+              </a:ext>
+            </a:extLst>
+          </p:cNvPr>
+          <p:cNvSpPr txBox="1"/>
+          <p:nvPr/>
+        </p:nvSpPr>
+        <p:spPr>
+          <a:xfrm>
+            <a:off x="3790586" y="2459810"/>
+            <a:ext cx="1622322" cy="858548"/>
+          </a:xfrm>
+          <a:prstGeom prst="roundRect">
+            <a:avLst/>
+          </a:prstGeom>
+          <a:solidFill>
+            <a:srgbClr val="4192EB"/>
+          </a:solidFill>
+        </p:spPr>
+        <p:txBody>
+          <a:bodyPr wrap="square" rtlCol="0" anchor="ctr" anchorCtr="0">
+            <a:noAutofit/>
+          </a:bodyPr>
+          <a:lstStyle/>
+          <a:p>
+            <a:pPr algn="ctr"/>
+            <a:r>
+              <a:rPr lang="en-US" sz="3000" dirty="0"/>
+              <a:t>API.AI</a:t>
+            </a:r>
+          </a:p>
+        </p:txBody>
+      </p:sp>
+      <p:sp>
+        <p:nvSpPr>
+          <p:cNvPr id="43" name="화살표: 왼쪽/오른쪽 42">
+            <a:extLst>
+              <a:ext uri="{FF2B5EF4-FFF2-40B4-BE49-F238E27FC236}">
+                <a16:creationId xmlns:a16="http://schemas.microsoft.com/office/drawing/2014/main" id="{6CBDEC3C-3C44-4242-9AC6-5ADD6A163170}"/>
+              </a:ext>
+            </a:extLst>
+          </p:cNvPr>
+          <p:cNvSpPr/>
+          <p:nvPr/>
+        </p:nvSpPr>
+        <p:spPr>
+          <a:xfrm>
+            <a:off x="5655148" y="4195458"/>
+            <a:ext cx="783772" cy="443977"/>
+          </a:xfrm>
+          <a:prstGeom prst="leftRightArrow">
+            <a:avLst/>
+          </a:prstGeom>
+          <a:solidFill>
+            <a:schemeClr val="accent1">
+              <a:lumMod val="20000"/>
+              <a:lumOff val="80000"/>
+            </a:schemeClr>
+          </a:solidFill>
+        </p:spPr>
+        <p:style>
+          <a:lnRef idx="2">
+            <a:schemeClr val="accent1">
+              <a:shade val="50000"/>
+            </a:schemeClr>
+          </a:lnRef>
+          <a:fillRef idx="1">
+            <a:schemeClr val="accent1"/>
+          </a:fillRef>
+          <a:effectRef idx="0">
+            <a:schemeClr val="accent1"/>
+          </a:effectRef>
+          <a:fontRef idx="minor">
+            <a:schemeClr val="lt1"/>
+          </a:fontRef>
+        </p:style>
+        <p:txBody>
+          <a:bodyPr rtlCol="0" anchor="ctr"/>
+          <a:lstStyle/>
+          <a:p>
+            <a:pPr algn="ctr"/>
+            <a:endParaRPr lang="en-US"/>
+          </a:p>
+        </p:txBody>
+      </p:sp>
+      <p:sp>
+        <p:nvSpPr>
+          <p:cNvPr id="44" name="화살표: 왼쪽/오른쪽 43">
+            <a:extLst>
+              <a:ext uri="{FF2B5EF4-FFF2-40B4-BE49-F238E27FC236}">
+                <a16:creationId xmlns:a16="http://schemas.microsoft.com/office/drawing/2014/main" id="{9FA21403-D894-4185-93EC-FCBCCFF0E905}"/>
+              </a:ext>
+            </a:extLst>
+          </p:cNvPr>
+          <p:cNvSpPr/>
+          <p:nvPr/>
+        </p:nvSpPr>
+        <p:spPr>
+          <a:xfrm>
+            <a:off x="5655148" y="2647489"/>
+            <a:ext cx="783772" cy="443977"/>
+          </a:xfrm>
+          <a:prstGeom prst="leftRightArrow">
+            <a:avLst/>
+          </a:prstGeom>
+          <a:solidFill>
+            <a:srgbClr val="ABE9FF"/>
+          </a:solidFill>
+          <a:ln>
+            <a:solidFill>
+              <a:srgbClr val="4192EB"/>
+            </a:solidFill>
+          </a:ln>
+        </p:spPr>
+        <p:style>
+          <a:lnRef idx="2">
+            <a:schemeClr val="accent1">
+              <a:shade val="50000"/>
+            </a:schemeClr>
+          </a:lnRef>
+          <a:fillRef idx="1">
+            <a:schemeClr val="accent1"/>
+          </a:fillRef>
+          <a:effectRef idx="0">
+            <a:schemeClr val="accent1"/>
+          </a:effectRef>
+          <a:fontRef idx="minor">
+            <a:schemeClr val="lt1"/>
+          </a:fontRef>
+        </p:style>
+        <p:txBody>
+          <a:bodyPr rtlCol="0" anchor="ctr"/>
+          <a:lstStyle/>
+          <a:p>
+            <a:pPr algn="ctr"/>
+            <a:endParaRPr lang="en-US"/>
+          </a:p>
+        </p:txBody>
+      </p:sp>
+    </p:spTree>
+    <p:extLst>
+      <p:ext uri="{BB962C8B-B14F-4D97-AF65-F5344CB8AC3E}">
+        <p14:creationId xmlns:p14="http://schemas.microsoft.com/office/powerpoint/2010/main" val="239329548"/>
       </p:ext>
     </p:extLst>
   </p:cSld>
